--- a/备课-语文/PPT/前言+字形字音+阅读.pptx
+++ b/备课-语文/PPT/前言+字形字音+阅读.pptx
@@ -8,28 +8,29 @@
     <p:sldId id="256" r:id="rId2"/>
     <p:sldId id="258" r:id="rId3"/>
     <p:sldId id="260" r:id="rId4"/>
-    <p:sldId id="261" r:id="rId5"/>
-    <p:sldId id="263" r:id="rId6"/>
-    <p:sldId id="262" r:id="rId7"/>
-    <p:sldId id="259" r:id="rId8"/>
-    <p:sldId id="265" r:id="rId9"/>
-    <p:sldId id="264" r:id="rId10"/>
-    <p:sldId id="270" r:id="rId11"/>
-    <p:sldId id="266" r:id="rId12"/>
-    <p:sldId id="267" r:id="rId13"/>
-    <p:sldId id="268" r:id="rId14"/>
-    <p:sldId id="269" r:id="rId15"/>
-    <p:sldId id="271" r:id="rId16"/>
-    <p:sldId id="273" r:id="rId17"/>
-    <p:sldId id="272" r:id="rId18"/>
-    <p:sldId id="274" r:id="rId19"/>
-    <p:sldId id="276" r:id="rId20"/>
-    <p:sldId id="278" r:id="rId21"/>
-    <p:sldId id="279" r:id="rId22"/>
-    <p:sldId id="280" r:id="rId23"/>
-    <p:sldId id="275" r:id="rId24"/>
-    <p:sldId id="281" r:id="rId25"/>
-    <p:sldId id="277" r:id="rId26"/>
+    <p:sldId id="282" r:id="rId5"/>
+    <p:sldId id="261" r:id="rId6"/>
+    <p:sldId id="263" r:id="rId7"/>
+    <p:sldId id="262" r:id="rId8"/>
+    <p:sldId id="259" r:id="rId9"/>
+    <p:sldId id="265" r:id="rId10"/>
+    <p:sldId id="264" r:id="rId11"/>
+    <p:sldId id="270" r:id="rId12"/>
+    <p:sldId id="266" r:id="rId13"/>
+    <p:sldId id="267" r:id="rId14"/>
+    <p:sldId id="268" r:id="rId15"/>
+    <p:sldId id="269" r:id="rId16"/>
+    <p:sldId id="271" r:id="rId17"/>
+    <p:sldId id="273" r:id="rId18"/>
+    <p:sldId id="272" r:id="rId19"/>
+    <p:sldId id="274" r:id="rId20"/>
+    <p:sldId id="276" r:id="rId21"/>
+    <p:sldId id="278" r:id="rId22"/>
+    <p:sldId id="279" r:id="rId23"/>
+    <p:sldId id="280" r:id="rId24"/>
+    <p:sldId id="275" r:id="rId25"/>
+    <p:sldId id="281" r:id="rId26"/>
+    <p:sldId id="277" r:id="rId27"/>
   </p:sldIdLst>
   <p:sldSz cx="12192000" cy="6858000"/>
   <p:notesSz cx="6858000" cy="9144000"/>
@@ -3472,7 +3473,7 @@
           <p:cNvPr id="2" name="标题 1">
             <a:extLst>
               <a:ext uri="{FF2B5EF4-FFF2-40B4-BE49-F238E27FC236}">
-                <a16:creationId xmlns:a16="http://schemas.microsoft.com/office/drawing/2014/main" id="{208DB555-4964-9D8B-2881-15185CC1668D}"/>
+                <a16:creationId xmlns:a16="http://schemas.microsoft.com/office/drawing/2014/main" id="{6FA516AE-1096-2F34-F88D-50DE94BC885C}"/>
               </a:ext>
             </a:extLst>
           </p:cNvPr>
@@ -3488,10 +3489,7 @@
           <a:bodyPr/>
           <a:lstStyle/>
           <a:p>
-            <a:r>
-              <a:rPr lang="zh-CN" altLang="en-US" dirty="0"/>
-              <a:t>做题要求：</a:t>
-            </a:r>
+            <a:endParaRPr lang="zh-CN" altLang="en-US" dirty="0"/>
           </a:p>
         </p:txBody>
       </p:sp>
@@ -3500,7 +3498,7 @@
           <p:cNvPr id="3" name="内容占位符 2">
             <a:extLst>
               <a:ext uri="{FF2B5EF4-FFF2-40B4-BE49-F238E27FC236}">
-                <a16:creationId xmlns:a16="http://schemas.microsoft.com/office/drawing/2014/main" id="{FB91B93E-FDAB-5836-771F-41E78925B9E0}"/>
+                <a16:creationId xmlns:a16="http://schemas.microsoft.com/office/drawing/2014/main" id="{331547C1-CB75-EA82-85AE-683C7E9845CA}"/>
               </a:ext>
             </a:extLst>
           </p:cNvPr>
@@ -3516,17 +3514,77 @@
           <a:bodyPr/>
           <a:lstStyle/>
           <a:p>
-            <a:r>
-              <a:rPr lang="zh-CN" altLang="en-US" dirty="0"/>
-              <a:t>用红笔将不会的、错误的读音划掉，在旁边写一遍正确的读音</a:t>
-            </a:r>
-          </a:p>
-        </p:txBody>
-      </p:sp>
+            <a:pPr marL="0" indent="0">
+              <a:buNone/>
+            </a:pPr>
+            <a:endParaRPr lang="zh-CN" altLang="en-US" dirty="0"/>
+          </a:p>
+        </p:txBody>
+      </p:sp>
+      <p:pic>
+        <p:nvPicPr>
+          <p:cNvPr id="5" name="图片 4">
+            <a:extLst>
+              <a:ext uri="{FF2B5EF4-FFF2-40B4-BE49-F238E27FC236}">
+                <a16:creationId xmlns:a16="http://schemas.microsoft.com/office/drawing/2014/main" id="{5282A77A-0E33-315A-86EA-2B26F9FEBA9E}"/>
+              </a:ext>
+            </a:extLst>
+          </p:cNvPr>
+          <p:cNvPicPr>
+            <a:picLocks noChangeAspect="1"/>
+          </p:cNvPicPr>
+          <p:nvPr/>
+        </p:nvPicPr>
+        <p:blipFill>
+          <a:blip r:embed="rId2"/>
+          <a:stretch>
+            <a:fillRect/>
+          </a:stretch>
+        </p:blipFill>
+        <p:spPr>
+          <a:xfrm>
+            <a:off x="677173" y="365125"/>
+            <a:ext cx="7595559" cy="2436311"/>
+          </a:xfrm>
+          <a:prstGeom prst="rect">
+            <a:avLst/>
+          </a:prstGeom>
+        </p:spPr>
+      </p:pic>
+      <p:pic>
+        <p:nvPicPr>
+          <p:cNvPr id="7" name="图片 6">
+            <a:extLst>
+              <a:ext uri="{FF2B5EF4-FFF2-40B4-BE49-F238E27FC236}">
+                <a16:creationId xmlns:a16="http://schemas.microsoft.com/office/drawing/2014/main" id="{40A10FEB-732F-5A1F-A577-BA9EF45D33DB}"/>
+              </a:ext>
+            </a:extLst>
+          </p:cNvPr>
+          <p:cNvPicPr>
+            <a:picLocks noChangeAspect="1"/>
+          </p:cNvPicPr>
+          <p:nvPr/>
+        </p:nvPicPr>
+        <p:blipFill>
+          <a:blip r:embed="rId3"/>
+          <a:stretch>
+            <a:fillRect/>
+          </a:stretch>
+        </p:blipFill>
+        <p:spPr>
+          <a:xfrm>
+            <a:off x="507789" y="2853531"/>
+            <a:ext cx="7934325" cy="2295525"/>
+          </a:xfrm>
+          <a:prstGeom prst="rect">
+            <a:avLst/>
+          </a:prstGeom>
+        </p:spPr>
+      </p:pic>
     </p:spTree>
     <p:extLst>
       <p:ext uri="{BB962C8B-B14F-4D97-AF65-F5344CB8AC3E}">
-        <p14:creationId xmlns:p14="http://schemas.microsoft.com/office/powerpoint/2010/main" val="1264729207"/>
+        <p14:creationId xmlns:p14="http://schemas.microsoft.com/office/powerpoint/2010/main" val="2576189866"/>
       </p:ext>
     </p:extLst>
   </p:cSld>
@@ -3558,7 +3616,7 @@
           <p:cNvPr id="2" name="标题 1">
             <a:extLst>
               <a:ext uri="{FF2B5EF4-FFF2-40B4-BE49-F238E27FC236}">
-                <a16:creationId xmlns:a16="http://schemas.microsoft.com/office/drawing/2014/main" id="{6FE92BB2-F05C-A751-49B1-70EF6605DCE6}"/>
+                <a16:creationId xmlns:a16="http://schemas.microsoft.com/office/drawing/2014/main" id="{208DB555-4964-9D8B-2881-15185CC1668D}"/>
               </a:ext>
             </a:extLst>
           </p:cNvPr>
@@ -3576,47 +3634,17 @@
           <a:p>
             <a:r>
               <a:rPr lang="zh-CN" altLang="en-US" dirty="0"/>
-              <a:t>字音学习</a:t>
-            </a:r>
-          </a:p>
-        </p:txBody>
-      </p:sp>
-      <p:pic>
-        <p:nvPicPr>
-          <p:cNvPr id="5" name="图片 4">
-            <a:extLst>
-              <a:ext uri="{FF2B5EF4-FFF2-40B4-BE49-F238E27FC236}">
-                <a16:creationId xmlns:a16="http://schemas.microsoft.com/office/drawing/2014/main" id="{C12F1B78-130B-38F1-E451-94EF5BE9F07A}"/>
-              </a:ext>
-            </a:extLst>
-          </p:cNvPr>
-          <p:cNvPicPr>
-            <a:picLocks noChangeAspect="1"/>
-          </p:cNvPicPr>
-          <p:nvPr/>
-        </p:nvPicPr>
-        <p:blipFill>
-          <a:blip r:embed="rId2"/>
-          <a:stretch>
-            <a:fillRect/>
-          </a:stretch>
-        </p:blipFill>
-        <p:spPr>
-          <a:xfrm>
-            <a:off x="838200" y="1825625"/>
-            <a:ext cx="7772400" cy="2133600"/>
-          </a:xfrm>
-          <a:prstGeom prst="rect">
-            <a:avLst/>
-          </a:prstGeom>
-        </p:spPr>
-      </p:pic>
-      <p:sp>
-        <p:nvSpPr>
-          <p:cNvPr id="9" name="内容占位符 8">
-            <a:extLst>
-              <a:ext uri="{FF2B5EF4-FFF2-40B4-BE49-F238E27FC236}">
-                <a16:creationId xmlns:a16="http://schemas.microsoft.com/office/drawing/2014/main" id="{9EFA1206-CD51-840D-CAFB-4A60C0282B52}"/>
+              <a:t>做题要求：</a:t>
+            </a:r>
+          </a:p>
+        </p:txBody>
+      </p:sp>
+      <p:sp>
+        <p:nvSpPr>
+          <p:cNvPr id="3" name="内容占位符 2">
+            <a:extLst>
+              <a:ext uri="{FF2B5EF4-FFF2-40B4-BE49-F238E27FC236}">
+                <a16:creationId xmlns:a16="http://schemas.microsoft.com/office/drawing/2014/main" id="{FB91B93E-FDAB-5836-771F-41E78925B9E0}"/>
               </a:ext>
             </a:extLst>
           </p:cNvPr>
@@ -3632,14 +3660,17 @@
           <a:bodyPr/>
           <a:lstStyle/>
           <a:p>
-            <a:endParaRPr lang="zh-CN" altLang="en-US"/>
+            <a:r>
+              <a:rPr lang="zh-CN" altLang="en-US" dirty="0"/>
+              <a:t>用红笔将不会的、错误的读音划掉，在旁边写一遍正确的读音</a:t>
+            </a:r>
           </a:p>
         </p:txBody>
       </p:sp>
     </p:spTree>
     <p:extLst>
       <p:ext uri="{BB962C8B-B14F-4D97-AF65-F5344CB8AC3E}">
-        <p14:creationId xmlns:p14="http://schemas.microsoft.com/office/powerpoint/2010/main" val="2824207879"/>
+        <p14:creationId xmlns:p14="http://schemas.microsoft.com/office/powerpoint/2010/main" val="1264729207"/>
       </p:ext>
     </p:extLst>
   </p:cSld>
@@ -3671,6 +3702,119 @@
           <p:cNvPr id="2" name="标题 1">
             <a:extLst>
               <a:ext uri="{FF2B5EF4-FFF2-40B4-BE49-F238E27FC236}">
+                <a16:creationId xmlns:a16="http://schemas.microsoft.com/office/drawing/2014/main" id="{6FE92BB2-F05C-A751-49B1-70EF6605DCE6}"/>
+              </a:ext>
+            </a:extLst>
+          </p:cNvPr>
+          <p:cNvSpPr>
+            <a:spLocks noGrp="1"/>
+          </p:cNvSpPr>
+          <p:nvPr>
+            <p:ph type="title"/>
+          </p:nvPr>
+        </p:nvSpPr>
+        <p:spPr/>
+        <p:txBody>
+          <a:bodyPr/>
+          <a:lstStyle/>
+          <a:p>
+            <a:r>
+              <a:rPr lang="zh-CN" altLang="en-US" dirty="0"/>
+              <a:t>字音学习</a:t>
+            </a:r>
+          </a:p>
+        </p:txBody>
+      </p:sp>
+      <p:pic>
+        <p:nvPicPr>
+          <p:cNvPr id="5" name="图片 4">
+            <a:extLst>
+              <a:ext uri="{FF2B5EF4-FFF2-40B4-BE49-F238E27FC236}">
+                <a16:creationId xmlns:a16="http://schemas.microsoft.com/office/drawing/2014/main" id="{C12F1B78-130B-38F1-E451-94EF5BE9F07A}"/>
+              </a:ext>
+            </a:extLst>
+          </p:cNvPr>
+          <p:cNvPicPr>
+            <a:picLocks noChangeAspect="1"/>
+          </p:cNvPicPr>
+          <p:nvPr/>
+        </p:nvPicPr>
+        <p:blipFill>
+          <a:blip r:embed="rId2"/>
+          <a:stretch>
+            <a:fillRect/>
+          </a:stretch>
+        </p:blipFill>
+        <p:spPr>
+          <a:xfrm>
+            <a:off x="838200" y="1825625"/>
+            <a:ext cx="7772400" cy="2133600"/>
+          </a:xfrm>
+          <a:prstGeom prst="rect">
+            <a:avLst/>
+          </a:prstGeom>
+        </p:spPr>
+      </p:pic>
+      <p:sp>
+        <p:nvSpPr>
+          <p:cNvPr id="9" name="内容占位符 8">
+            <a:extLst>
+              <a:ext uri="{FF2B5EF4-FFF2-40B4-BE49-F238E27FC236}">
+                <a16:creationId xmlns:a16="http://schemas.microsoft.com/office/drawing/2014/main" id="{9EFA1206-CD51-840D-CAFB-4A60C0282B52}"/>
+              </a:ext>
+            </a:extLst>
+          </p:cNvPr>
+          <p:cNvSpPr>
+            <a:spLocks noGrp="1"/>
+          </p:cNvSpPr>
+          <p:nvPr>
+            <p:ph idx="1"/>
+          </p:nvPr>
+        </p:nvSpPr>
+        <p:spPr/>
+        <p:txBody>
+          <a:bodyPr/>
+          <a:lstStyle/>
+          <a:p>
+            <a:endParaRPr lang="zh-CN" altLang="en-US"/>
+          </a:p>
+        </p:txBody>
+      </p:sp>
+    </p:spTree>
+    <p:extLst>
+      <p:ext uri="{BB962C8B-B14F-4D97-AF65-F5344CB8AC3E}">
+        <p14:creationId xmlns:p14="http://schemas.microsoft.com/office/powerpoint/2010/main" val="2824207879"/>
+      </p:ext>
+    </p:extLst>
+  </p:cSld>
+  <p:clrMapOvr>
+    <a:masterClrMapping/>
+  </p:clrMapOvr>
+</p:sld>
+</file>
+
+<file path=ppt/slides/slide13.xml><?xml version="1.0" encoding="utf-8"?>
+<p:sld xmlns:a="http://schemas.openxmlformats.org/drawingml/2006/main" xmlns:r="http://schemas.openxmlformats.org/officeDocument/2006/relationships" xmlns:p="http://schemas.openxmlformats.org/presentationml/2006/main">
+  <p:cSld>
+    <p:spTree>
+      <p:nvGrpSpPr>
+        <p:cNvPr id="1" name=""/>
+        <p:cNvGrpSpPr/>
+        <p:nvPr/>
+      </p:nvGrpSpPr>
+      <p:grpSpPr>
+        <a:xfrm>
+          <a:off x="0" y="0"/>
+          <a:ext cx="0" cy="0"/>
+          <a:chOff x="0" y="0"/>
+          <a:chExt cx="0" cy="0"/>
+        </a:xfrm>
+      </p:grpSpPr>
+      <p:sp>
+        <p:nvSpPr>
+          <p:cNvPr id="2" name="标题 1">
+            <a:extLst>
+              <a:ext uri="{FF2B5EF4-FFF2-40B4-BE49-F238E27FC236}">
                 <a16:creationId xmlns:a16="http://schemas.microsoft.com/office/drawing/2014/main" id="{28A93616-3751-6462-5275-3BBF24D69423}"/>
               </a:ext>
             </a:extLst>
@@ -3759,7 +3903,7 @@
 </p:sld>
 </file>
 
-<file path=ppt/slides/slide13.xml><?xml version="1.0" encoding="utf-8"?>
+<file path=ppt/slides/slide14.xml><?xml version="1.0" encoding="utf-8"?>
 <p:sld xmlns:a="http://schemas.openxmlformats.org/drawingml/2006/main" xmlns:r="http://schemas.openxmlformats.org/officeDocument/2006/relationships" xmlns:p="http://schemas.openxmlformats.org/presentationml/2006/main">
   <p:cSld>
     <p:spTree>
@@ -3843,7 +3987,7 @@
 </p:sld>
 </file>
 
-<file path=ppt/slides/slide14.xml><?xml version="1.0" encoding="utf-8"?>
+<file path=ppt/slides/slide15.xml><?xml version="1.0" encoding="utf-8"?>
 <p:sld xmlns:a="http://schemas.openxmlformats.org/drawingml/2006/main" xmlns:r="http://schemas.openxmlformats.org/officeDocument/2006/relationships" xmlns:p="http://schemas.openxmlformats.org/presentationml/2006/main">
   <p:cSld>
     <p:spTree>
@@ -3953,89 +4097,6 @@
 </p:sld>
 </file>
 
-<file path=ppt/slides/slide15.xml><?xml version="1.0" encoding="utf-8"?>
-<p:sld xmlns:a="http://schemas.openxmlformats.org/drawingml/2006/main" xmlns:r="http://schemas.openxmlformats.org/officeDocument/2006/relationships" xmlns:p="http://schemas.openxmlformats.org/presentationml/2006/main">
-  <p:cSld>
-    <p:spTree>
-      <p:nvGrpSpPr>
-        <p:cNvPr id="1" name=""/>
-        <p:cNvGrpSpPr/>
-        <p:nvPr/>
-      </p:nvGrpSpPr>
-      <p:grpSpPr>
-        <a:xfrm>
-          <a:off x="0" y="0"/>
-          <a:ext cx="0" cy="0"/>
-          <a:chOff x="0" y="0"/>
-          <a:chExt cx="0" cy="0"/>
-        </a:xfrm>
-      </p:grpSpPr>
-      <p:sp>
-        <p:nvSpPr>
-          <p:cNvPr id="2" name="标题 1">
-            <a:extLst>
-              <a:ext uri="{FF2B5EF4-FFF2-40B4-BE49-F238E27FC236}">
-                <a16:creationId xmlns:a16="http://schemas.microsoft.com/office/drawing/2014/main" id="{32C458A0-7ED9-529C-D7DC-9F67DA16EF60}"/>
-              </a:ext>
-            </a:extLst>
-          </p:cNvPr>
-          <p:cNvSpPr>
-            <a:spLocks noGrp="1"/>
-          </p:cNvSpPr>
-          <p:nvPr>
-            <p:ph type="title"/>
-          </p:nvPr>
-        </p:nvSpPr>
-        <p:spPr/>
-        <p:txBody>
-          <a:bodyPr/>
-          <a:lstStyle/>
-          <a:p>
-            <a:r>
-              <a:rPr lang="zh-CN" altLang="en-US" dirty="0"/>
-              <a:t>练习：</a:t>
-            </a:r>
-          </a:p>
-        </p:txBody>
-      </p:sp>
-      <p:sp>
-        <p:nvSpPr>
-          <p:cNvPr id="3" name="内容占位符 2">
-            <a:extLst>
-              <a:ext uri="{FF2B5EF4-FFF2-40B4-BE49-F238E27FC236}">
-                <a16:creationId xmlns:a16="http://schemas.microsoft.com/office/drawing/2014/main" id="{73981BA4-952C-A403-F5BE-14ED59ADA5E9}"/>
-              </a:ext>
-            </a:extLst>
-          </p:cNvPr>
-          <p:cNvSpPr>
-            <a:spLocks noGrp="1"/>
-          </p:cNvSpPr>
-          <p:nvPr>
-            <p:ph idx="1"/>
-          </p:nvPr>
-        </p:nvSpPr>
-        <p:spPr/>
-        <p:txBody>
-          <a:bodyPr/>
-          <a:lstStyle/>
-          <a:p>
-            <a:endParaRPr lang="zh-CN" altLang="en-US" dirty="0"/>
-          </a:p>
-        </p:txBody>
-      </p:sp>
-    </p:spTree>
-    <p:extLst>
-      <p:ext uri="{BB962C8B-B14F-4D97-AF65-F5344CB8AC3E}">
-        <p14:creationId xmlns:p14="http://schemas.microsoft.com/office/powerpoint/2010/main" val="3916516887"/>
-      </p:ext>
-    </p:extLst>
-  </p:cSld>
-  <p:clrMapOvr>
-    <a:masterClrMapping/>
-  </p:clrMapOvr>
-</p:sld>
-</file>
-
 <file path=ppt/slides/slide16.xml><?xml version="1.0" encoding="utf-8"?>
 <p:sld xmlns:a="http://schemas.openxmlformats.org/drawingml/2006/main" xmlns:r="http://schemas.openxmlformats.org/officeDocument/2006/relationships" xmlns:p="http://schemas.openxmlformats.org/presentationml/2006/main">
   <p:cSld>
@@ -4058,77 +4119,58 @@
           <p:cNvPr id="2" name="标题 1">
             <a:extLst>
               <a:ext uri="{FF2B5EF4-FFF2-40B4-BE49-F238E27FC236}">
-                <a16:creationId xmlns:a16="http://schemas.microsoft.com/office/drawing/2014/main" id="{0225C56B-CB32-0D15-EE87-6A6B6344800F}"/>
-              </a:ext>
-            </a:extLst>
-          </p:cNvPr>
-          <p:cNvSpPr>
-            <a:spLocks noGrp="1"/>
-          </p:cNvSpPr>
-          <p:nvPr>
-            <p:ph type="ctrTitle"/>
-          </p:nvPr>
-        </p:nvSpPr>
-        <p:spPr/>
-        <p:txBody>
-          <a:bodyPr/>
-          <a:lstStyle/>
-          <a:p>
-            <a:r>
-              <a:rPr lang="en-US" altLang="zh-CN" dirty="0"/>
-              <a:t>PART2</a:t>
-            </a:r>
+                <a16:creationId xmlns:a16="http://schemas.microsoft.com/office/drawing/2014/main" id="{32C458A0-7ED9-529C-D7DC-9F67DA16EF60}"/>
+              </a:ext>
+            </a:extLst>
+          </p:cNvPr>
+          <p:cNvSpPr>
+            <a:spLocks noGrp="1"/>
+          </p:cNvSpPr>
+          <p:nvPr>
+            <p:ph type="title"/>
+          </p:nvPr>
+        </p:nvSpPr>
+        <p:spPr/>
+        <p:txBody>
+          <a:bodyPr/>
+          <a:lstStyle/>
+          <a:p>
             <a:r>
               <a:rPr lang="zh-CN" altLang="en-US" dirty="0"/>
-              <a:t>：阅读部分</a:t>
-            </a:r>
-          </a:p>
-        </p:txBody>
-      </p:sp>
-      <p:sp>
-        <p:nvSpPr>
-          <p:cNvPr id="3" name="副标题 2">
-            <a:extLst>
-              <a:ext uri="{FF2B5EF4-FFF2-40B4-BE49-F238E27FC236}">
-                <a16:creationId xmlns:a16="http://schemas.microsoft.com/office/drawing/2014/main" id="{01654F0C-74DA-A315-E7A2-D7C6F6F9BB0D}"/>
-              </a:ext>
-            </a:extLst>
-          </p:cNvPr>
-          <p:cNvSpPr>
-            <a:spLocks noGrp="1"/>
-          </p:cNvSpPr>
-          <p:nvPr>
-            <p:ph type="subTitle" idx="1"/>
-          </p:nvPr>
-        </p:nvSpPr>
-        <p:spPr>
-          <a:xfrm>
-            <a:off x="1524000" y="3509963"/>
-            <a:ext cx="9144000" cy="1655762"/>
-          </a:xfrm>
-        </p:spPr>
-        <p:txBody>
-          <a:bodyPr/>
-          <a:lstStyle/>
-          <a:p>
-            <a:r>
-              <a:rPr lang="zh-CN" altLang="en-US" sz="4000" dirty="0"/>
-              <a:t>实用性文本阅读</a:t>
-            </a:r>
-            <a:endParaRPr lang="en-US" altLang="zh-CN" sz="4000" dirty="0"/>
-          </a:p>
-          <a:p>
-            <a:r>
-              <a:rPr lang="zh-CN" altLang="en-US" i="1" dirty="0"/>
-              <a:t>学如逆旅，一苇以航</a:t>
-            </a:r>
+              <a:t>练习：</a:t>
+            </a:r>
+          </a:p>
+        </p:txBody>
+      </p:sp>
+      <p:sp>
+        <p:nvSpPr>
+          <p:cNvPr id="3" name="内容占位符 2">
+            <a:extLst>
+              <a:ext uri="{FF2B5EF4-FFF2-40B4-BE49-F238E27FC236}">
+                <a16:creationId xmlns:a16="http://schemas.microsoft.com/office/drawing/2014/main" id="{73981BA4-952C-A403-F5BE-14ED59ADA5E9}"/>
+              </a:ext>
+            </a:extLst>
+          </p:cNvPr>
+          <p:cNvSpPr>
+            <a:spLocks noGrp="1"/>
+          </p:cNvSpPr>
+          <p:nvPr>
+            <p:ph idx="1"/>
+          </p:nvPr>
+        </p:nvSpPr>
+        <p:spPr/>
+        <p:txBody>
+          <a:bodyPr/>
+          <a:lstStyle/>
+          <a:p>
+            <a:endParaRPr lang="zh-CN" altLang="en-US" dirty="0"/>
           </a:p>
         </p:txBody>
       </p:sp>
     </p:spTree>
     <p:extLst>
       <p:ext uri="{BB962C8B-B14F-4D97-AF65-F5344CB8AC3E}">
-        <p14:creationId xmlns:p14="http://schemas.microsoft.com/office/powerpoint/2010/main" val="3728579863"/>
+        <p14:creationId xmlns:p14="http://schemas.microsoft.com/office/powerpoint/2010/main" val="3916516887"/>
       </p:ext>
     </p:extLst>
   </p:cSld>
@@ -4160,104 +4202,77 @@
           <p:cNvPr id="2" name="标题 1">
             <a:extLst>
               <a:ext uri="{FF2B5EF4-FFF2-40B4-BE49-F238E27FC236}">
-                <a16:creationId xmlns:a16="http://schemas.microsoft.com/office/drawing/2014/main" id="{716F3D8A-BE0C-EE11-4644-F0938836C456}"/>
-              </a:ext>
-            </a:extLst>
-          </p:cNvPr>
-          <p:cNvSpPr>
-            <a:spLocks noGrp="1"/>
-          </p:cNvSpPr>
-          <p:nvPr>
-            <p:ph type="title"/>
-          </p:nvPr>
-        </p:nvSpPr>
-        <p:spPr/>
-        <p:txBody>
-          <a:bodyPr/>
-          <a:lstStyle/>
-          <a:p>
+                <a16:creationId xmlns:a16="http://schemas.microsoft.com/office/drawing/2014/main" id="{0225C56B-CB32-0D15-EE87-6A6B6344800F}"/>
+              </a:ext>
+            </a:extLst>
+          </p:cNvPr>
+          <p:cNvSpPr>
+            <a:spLocks noGrp="1"/>
+          </p:cNvSpPr>
+          <p:nvPr>
+            <p:ph type="ctrTitle"/>
+          </p:nvPr>
+        </p:nvSpPr>
+        <p:spPr/>
+        <p:txBody>
+          <a:bodyPr/>
+          <a:lstStyle/>
+          <a:p>
+            <a:r>
+              <a:rPr lang="en-US" altLang="zh-CN" dirty="0"/>
+              <a:t>PART2</a:t>
+            </a:r>
             <a:r>
               <a:rPr lang="zh-CN" altLang="en-US" dirty="0"/>
-              <a:t>什么是实用性文本</a:t>
-            </a:r>
-          </a:p>
-        </p:txBody>
-      </p:sp>
-      <p:sp>
-        <p:nvSpPr>
-          <p:cNvPr id="3" name="内容占位符 2">
-            <a:extLst>
-              <a:ext uri="{FF2B5EF4-FFF2-40B4-BE49-F238E27FC236}">
-                <a16:creationId xmlns:a16="http://schemas.microsoft.com/office/drawing/2014/main" id="{786625B2-15A0-C7E2-740E-F27916A89C7F}"/>
-              </a:ext>
-            </a:extLst>
-          </p:cNvPr>
-          <p:cNvSpPr>
-            <a:spLocks noGrp="1"/>
-          </p:cNvSpPr>
-          <p:nvPr>
-            <p:ph idx="1"/>
+              <a:t>：阅读部分</a:t>
+            </a:r>
+          </a:p>
+        </p:txBody>
+      </p:sp>
+      <p:sp>
+        <p:nvSpPr>
+          <p:cNvPr id="3" name="副标题 2">
+            <a:extLst>
+              <a:ext uri="{FF2B5EF4-FFF2-40B4-BE49-F238E27FC236}">
+                <a16:creationId xmlns:a16="http://schemas.microsoft.com/office/drawing/2014/main" id="{01654F0C-74DA-A315-E7A2-D7C6F6F9BB0D}"/>
+              </a:ext>
+            </a:extLst>
+          </p:cNvPr>
+          <p:cNvSpPr>
+            <a:spLocks noGrp="1"/>
+          </p:cNvSpPr>
+          <p:nvPr>
+            <p:ph type="subTitle" idx="1"/>
           </p:nvPr>
         </p:nvSpPr>
         <p:spPr>
           <a:xfrm>
-            <a:off x="698740" y="1397478"/>
-            <a:ext cx="10877909" cy="5244861"/>
+            <a:off x="1524000" y="3509963"/>
+            <a:ext cx="9144000" cy="1655762"/>
           </a:xfrm>
         </p:spPr>
         <p:txBody>
-          <a:bodyPr>
-            <a:normAutofit lnSpcReduction="10000"/>
-          </a:bodyPr>
-          <a:lstStyle/>
-          <a:p>
-            <a:pPr algn="l"/>
-            <a:r>
-              <a:rPr lang="zh-CN" altLang="en-US" b="0" i="0" dirty="0">
-                <a:solidFill>
-                  <a:srgbClr val="191919"/>
-                </a:solidFill>
-                <a:effectLst/>
-                <a:latin typeface="PingFang SC"/>
-              </a:rPr>
-              <a:t>在日常生活中经常读到实用性文本，比如说明书、议论文、新闻、通讯报道、书信、请假条、辩论词、报告书等等。实用性文本，是解决实际事务的需要。有的属于交际需要，有的属于社会规则需要。</a:t>
-            </a:r>
-          </a:p>
-          <a:p>
-            <a:pPr algn="l"/>
-            <a:r>
-              <a:rPr lang="zh-CN" altLang="en-US" b="0" i="0" dirty="0">
-                <a:solidFill>
-                  <a:srgbClr val="191919"/>
-                </a:solidFill>
-                <a:effectLst/>
-                <a:latin typeface="PingFang SC"/>
-              </a:rPr>
-              <a:t>实用性文本的语言特点集中体现在清楚、明白、通俗易懂上，不带个人情感、不强调个性化。学习实用性文本，学习的是科学性、说明性、介绍性、记叙性的语言，如词句的表达、篇章的层次结构、论证与说明方式、特别语汇等。在实用性文本中有时也会出现文学的修辞，其主要功能是强化语言力，而不是审美功能。</a:t>
-            </a:r>
-          </a:p>
-          <a:p>
-            <a:pPr algn="l"/>
-            <a:r>
-              <a:rPr lang="zh-CN" altLang="en-US" b="0" i="0" dirty="0">
-                <a:solidFill>
-                  <a:srgbClr val="191919"/>
-                </a:solidFill>
-                <a:effectLst/>
-                <a:latin typeface="PingFang SC"/>
-              </a:rPr>
-              <a:t>日常生活语言素养是每一个人都必须具备的核心素养。阅读实用性文本，学生可以掌握基本的日常语言运用技能，提升日常生活语言素养，让学生在日常生活或一些正规场合，在与人交往、学习和工作中自如地听说读写，把话读清楚读明白，说清楚说明白，解决日常生活中的语言问题，实用与语用是核心。</a:t>
-            </a:r>
-          </a:p>
-          <a:p>
-            <a:endParaRPr lang="zh-CN" altLang="en-US" dirty="0"/>
+          <a:bodyPr/>
+          <a:lstStyle/>
+          <a:p>
+            <a:r>
+              <a:rPr lang="zh-CN" altLang="en-US" sz="4000" dirty="0"/>
+              <a:t>实用性文本阅读</a:t>
+            </a:r>
+            <a:endParaRPr lang="en-US" altLang="zh-CN" sz="4000" dirty="0"/>
+          </a:p>
+          <a:p>
+            <a:r>
+              <a:rPr lang="zh-CN" altLang="en-US" i="1" dirty="0"/>
+              <a:t>学如逆旅，一苇以航</a:t>
+            </a:r>
           </a:p>
         </p:txBody>
       </p:sp>
     </p:spTree>
     <p:extLst>
       <p:ext uri="{BB962C8B-B14F-4D97-AF65-F5344CB8AC3E}">
-        <p14:creationId xmlns:p14="http://schemas.microsoft.com/office/powerpoint/2010/main" val="731907146"/>
+        <p14:creationId xmlns:p14="http://schemas.microsoft.com/office/powerpoint/2010/main" val="3728579863"/>
       </p:ext>
     </p:extLst>
   </p:cSld>
@@ -4289,7 +4304,7 @@
           <p:cNvPr id="2" name="标题 1">
             <a:extLst>
               <a:ext uri="{FF2B5EF4-FFF2-40B4-BE49-F238E27FC236}">
-                <a16:creationId xmlns:a16="http://schemas.microsoft.com/office/drawing/2014/main" id="{27A18E55-4815-1FD4-3833-9CB30CE37B62}"/>
+                <a16:creationId xmlns:a16="http://schemas.microsoft.com/office/drawing/2014/main" id="{716F3D8A-BE0C-EE11-4644-F0938836C456}"/>
               </a:ext>
             </a:extLst>
           </p:cNvPr>
@@ -4307,7 +4322,7 @@
           <a:p>
             <a:r>
               <a:rPr lang="zh-CN" altLang="en-US" dirty="0"/>
-              <a:t>实用性文本的考点</a:t>
+              <a:t>什么是实用性文本</a:t>
             </a:r>
           </a:p>
         </p:txBody>
@@ -4317,7 +4332,7 @@
           <p:cNvPr id="3" name="内容占位符 2">
             <a:extLst>
               <a:ext uri="{FF2B5EF4-FFF2-40B4-BE49-F238E27FC236}">
-                <a16:creationId xmlns:a16="http://schemas.microsoft.com/office/drawing/2014/main" id="{E6FA60CC-C5BD-7CF3-B051-65601340C6BA}"/>
+                <a16:creationId xmlns:a16="http://schemas.microsoft.com/office/drawing/2014/main" id="{786625B2-15A0-C7E2-740E-F27916A89C7F}"/>
               </a:ext>
             </a:extLst>
           </p:cNvPr>
@@ -4328,220 +4343,57 @@
             <p:ph idx="1"/>
           </p:nvPr>
         </p:nvSpPr>
-        <p:spPr/>
+        <p:spPr>
+          <a:xfrm>
+            <a:off x="698740" y="1397478"/>
+            <a:ext cx="10877909" cy="5244861"/>
+          </a:xfrm>
+        </p:spPr>
         <p:txBody>
           <a:bodyPr>
             <a:normAutofit lnSpcReduction="10000"/>
           </a:bodyPr>
           <a:lstStyle/>
           <a:p>
-            <a:r>
-              <a:rPr lang="en-US" altLang="zh-CN" b="1" i="0" dirty="0">
+            <a:pPr algn="l"/>
+            <a:r>
+              <a:rPr lang="zh-CN" altLang="en-US" b="0" i="0" dirty="0">
                 <a:solidFill>
-                  <a:srgbClr val="404040"/>
+                  <a:srgbClr val="191919"/>
                 </a:solidFill>
                 <a:effectLst/>
-                <a:latin typeface="-apple-system"/>
-              </a:rPr>
-              <a:t>1.</a:t>
-            </a:r>
-            <a:r>
-              <a:rPr lang="zh-CN" altLang="en-US" b="1" i="0" dirty="0">
+                <a:latin typeface="PingFang SC"/>
+              </a:rPr>
+              <a:t>在日常生活中经常读到实用性文本，比如说明书、议论文、新闻、通讯报道、书信、请假条、辩论词、报告书等等。实用性文本，是解决实际事务的需要。有的属于交际需要，有的属于社会规则需要。</a:t>
+            </a:r>
+          </a:p>
+          <a:p>
+            <a:pPr algn="l"/>
+            <a:r>
+              <a:rPr lang="zh-CN" altLang="en-US" b="0" i="0" dirty="0">
                 <a:solidFill>
-                  <a:srgbClr val="404040"/>
+                  <a:srgbClr val="191919"/>
                 </a:solidFill>
                 <a:effectLst/>
-                <a:latin typeface="-apple-system"/>
-              </a:rPr>
-              <a:t>理解词句及文本内容</a:t>
-            </a:r>
-            <a:endParaRPr lang="en-US" altLang="zh-CN" b="1" i="0" dirty="0">
-              <a:solidFill>
-                <a:srgbClr val="404040"/>
-              </a:solidFill>
-              <a:effectLst/>
-              <a:latin typeface="-apple-system"/>
-            </a:endParaRPr>
-          </a:p>
-          <a:p>
-            <a:r>
-              <a:rPr lang="en-US" altLang="zh-CN" b="1" i="0" dirty="0">
+                <a:latin typeface="PingFang SC"/>
+              </a:rPr>
+              <a:t>实用性文本的语言特点集中体现在清楚、明白、通俗易懂上，不带个人情感、不强调个性化。学习实用性文本，学习的是科学性、说明性、介绍性、记叙性的语言，如词句的表达、篇章的层次结构、论证与说明方式、特别语汇等。在实用性文本中有时也会出现文学的修辞，其主要功能是强化语言力，而不是审美功能。</a:t>
+            </a:r>
+          </a:p>
+          <a:p>
+            <a:pPr algn="l"/>
+            <a:r>
+              <a:rPr lang="zh-CN" altLang="en-US" b="0" i="0" dirty="0">
                 <a:solidFill>
-                  <a:srgbClr val="404040"/>
+                  <a:srgbClr val="191919"/>
                 </a:solidFill>
                 <a:effectLst/>
-                <a:latin typeface="-apple-system"/>
-              </a:rPr>
-              <a:t>2.</a:t>
-            </a:r>
-            <a:r>
-              <a:rPr lang="zh-CN" altLang="en-US" b="1" i="0" dirty="0">
-                <a:solidFill>
-                  <a:srgbClr val="404040"/>
-                </a:solidFill>
-                <a:effectLst/>
-                <a:latin typeface="-apple-system"/>
-              </a:rPr>
-              <a:t>提取信息与概括要点</a:t>
-            </a:r>
-            <a:endParaRPr lang="en-US" altLang="zh-CN" b="1" dirty="0">
-              <a:solidFill>
-                <a:srgbClr val="404040"/>
-              </a:solidFill>
-              <a:latin typeface="-apple-system"/>
-            </a:endParaRPr>
-          </a:p>
-          <a:p>
-            <a:r>
-              <a:rPr lang="en-US" altLang="zh-CN" b="1" i="0" dirty="0">
-                <a:solidFill>
-                  <a:srgbClr val="404040"/>
-                </a:solidFill>
-                <a:effectLst/>
-                <a:latin typeface="-apple-system"/>
-              </a:rPr>
-              <a:t>3.</a:t>
-            </a:r>
-            <a:r>
-              <a:rPr lang="zh-CN" altLang="en-US" b="1" i="0" dirty="0">
-                <a:solidFill>
-                  <a:srgbClr val="404040"/>
-                </a:solidFill>
-                <a:effectLst/>
-                <a:latin typeface="-apple-system"/>
-              </a:rPr>
-              <a:t>梳理说明顺序与结构</a:t>
-            </a:r>
-            <a:endParaRPr lang="en-US" altLang="zh-CN" b="1" i="0" dirty="0">
-              <a:solidFill>
-                <a:srgbClr val="404040"/>
-              </a:solidFill>
-              <a:effectLst/>
-              <a:latin typeface="-apple-system"/>
-            </a:endParaRPr>
-          </a:p>
-          <a:p>
-            <a:r>
-              <a:rPr lang="en-US" altLang="zh-CN" b="1" i="0" dirty="0">
-                <a:solidFill>
-                  <a:srgbClr val="404040"/>
-                </a:solidFill>
-                <a:effectLst/>
-                <a:latin typeface="-apple-system"/>
-              </a:rPr>
-              <a:t>4.</a:t>
-            </a:r>
-            <a:r>
-              <a:rPr lang="zh-CN" altLang="en-US" b="1" i="0" dirty="0">
-                <a:solidFill>
-                  <a:srgbClr val="404040"/>
-                </a:solidFill>
-                <a:effectLst/>
-                <a:latin typeface="-apple-system"/>
-              </a:rPr>
-              <a:t>辨析说明方法及作用</a:t>
-            </a:r>
-            <a:endParaRPr lang="en-US" altLang="zh-CN" b="1" dirty="0">
-              <a:solidFill>
-                <a:srgbClr val="404040"/>
-              </a:solidFill>
-              <a:latin typeface="-apple-system"/>
-            </a:endParaRPr>
-          </a:p>
-          <a:p>
-            <a:r>
-              <a:rPr lang="en-US" altLang="zh-CN" b="1" i="0" dirty="0">
-                <a:solidFill>
-                  <a:srgbClr val="404040"/>
-                </a:solidFill>
-                <a:effectLst/>
-                <a:latin typeface="-apple-system"/>
-              </a:rPr>
-              <a:t>5.</a:t>
-            </a:r>
-            <a:r>
-              <a:rPr lang="zh-CN" altLang="en-US" b="1" i="0" dirty="0">
-                <a:solidFill>
-                  <a:srgbClr val="404040"/>
-                </a:solidFill>
-                <a:effectLst/>
-                <a:latin typeface="-apple-system"/>
-              </a:rPr>
-              <a:t>品析语言的准确性</a:t>
-            </a:r>
-            <a:endParaRPr lang="en-US" altLang="zh-CN" b="1" i="0" dirty="0">
-              <a:solidFill>
-                <a:srgbClr val="404040"/>
-              </a:solidFill>
-              <a:effectLst/>
-              <a:latin typeface="-apple-system"/>
-            </a:endParaRPr>
-          </a:p>
-          <a:p>
-            <a:r>
-              <a:rPr lang="en-US" altLang="zh-CN" b="1" i="0" dirty="0">
-                <a:solidFill>
-                  <a:srgbClr val="404040"/>
-                </a:solidFill>
-                <a:effectLst/>
-                <a:latin typeface="-apple-system"/>
-              </a:rPr>
-              <a:t>6.</a:t>
-            </a:r>
-            <a:r>
-              <a:rPr lang="zh-CN" altLang="en-US" b="1" i="0" dirty="0">
-                <a:solidFill>
-                  <a:srgbClr val="404040"/>
-                </a:solidFill>
-                <a:effectLst/>
-                <a:latin typeface="-apple-system"/>
-              </a:rPr>
-              <a:t>迁移拓展及其应用</a:t>
-            </a:r>
-            <a:endParaRPr lang="en-US" altLang="zh-CN" b="1" i="0" dirty="0">
-              <a:solidFill>
-                <a:srgbClr val="404040"/>
-              </a:solidFill>
-              <a:effectLst/>
-              <a:latin typeface="-apple-system"/>
-            </a:endParaRPr>
-          </a:p>
-          <a:p>
-            <a:endParaRPr lang="en-US" altLang="zh-CN" b="1" dirty="0">
-              <a:solidFill>
-                <a:srgbClr val="404040"/>
-              </a:solidFill>
-              <a:latin typeface="-apple-system"/>
-            </a:endParaRPr>
-          </a:p>
-          <a:p>
-            <a:r>
-              <a:rPr lang="zh-CN" altLang="en-US" b="1" dirty="0">
-                <a:solidFill>
-                  <a:srgbClr val="404040"/>
-                </a:solidFill>
-                <a:latin typeface="-apple-system"/>
-              </a:rPr>
-              <a:t>初中实用性文本主要考察：说明文</a:t>
-            </a:r>
-            <a:r>
-              <a:rPr lang="en-US" altLang="zh-CN" b="1" dirty="0">
-                <a:solidFill>
-                  <a:srgbClr val="404040"/>
-                </a:solidFill>
-                <a:latin typeface="-apple-system"/>
-              </a:rPr>
-              <a:t>/</a:t>
-            </a:r>
-            <a:r>
-              <a:rPr lang="zh-CN" altLang="en-US" b="1" dirty="0">
-                <a:solidFill>
-                  <a:srgbClr val="404040"/>
-                </a:solidFill>
-                <a:latin typeface="-apple-system"/>
-              </a:rPr>
-              <a:t>议论文阅读（广州中考主要考）</a:t>
-            </a:r>
+                <a:latin typeface="PingFang SC"/>
+              </a:rPr>
+              <a:t>日常生活语言素养是每一个人都必须具备的核心素养。阅读实用性文本，学生可以掌握基本的日常语言运用技能，提升日常生活语言素养，让学生在日常生活或一些正规场合，在与人交往、学习和工作中自如地听说读写，把话读清楚读明白，说清楚说明白，解决日常生活中的语言问题，实用与语用是核心。</a:t>
+            </a:r>
+          </a:p>
+          <a:p>
             <a:endParaRPr lang="zh-CN" altLang="en-US" dirty="0"/>
           </a:p>
         </p:txBody>
@@ -4549,7 +4401,7 @@
     </p:spTree>
     <p:extLst>
       <p:ext uri="{BB962C8B-B14F-4D97-AF65-F5344CB8AC3E}">
-        <p14:creationId xmlns:p14="http://schemas.microsoft.com/office/powerpoint/2010/main" val="3750059985"/>
+        <p14:creationId xmlns:p14="http://schemas.microsoft.com/office/powerpoint/2010/main" val="731907146"/>
       </p:ext>
     </p:extLst>
   </p:cSld>
@@ -4581,7 +4433,7 @@
           <p:cNvPr id="2" name="标题 1">
             <a:extLst>
               <a:ext uri="{FF2B5EF4-FFF2-40B4-BE49-F238E27FC236}">
-                <a16:creationId xmlns:a16="http://schemas.microsoft.com/office/drawing/2014/main" id="{0E7C671D-2C96-F26F-3752-D0E17CF5A099}"/>
+                <a16:creationId xmlns:a16="http://schemas.microsoft.com/office/drawing/2014/main" id="{27A18E55-4815-1FD4-3833-9CB30CE37B62}"/>
               </a:ext>
             </a:extLst>
           </p:cNvPr>
@@ -4599,7 +4451,7 @@
           <a:p>
             <a:r>
               <a:rPr lang="zh-CN" altLang="en-US" dirty="0"/>
-              <a:t>阅读说明文技巧：</a:t>
+              <a:t>实用性文本的考点</a:t>
             </a:r>
           </a:p>
         </p:txBody>
@@ -4609,7 +4461,7 @@
           <p:cNvPr id="3" name="内容占位符 2">
             <a:extLst>
               <a:ext uri="{FF2B5EF4-FFF2-40B4-BE49-F238E27FC236}">
-                <a16:creationId xmlns:a16="http://schemas.microsoft.com/office/drawing/2014/main" id="{830CCA18-6AE6-0DC4-3785-4277BA2457F6}"/>
+                <a16:creationId xmlns:a16="http://schemas.microsoft.com/office/drawing/2014/main" id="{E6FA60CC-C5BD-7CF3-B051-65601340C6BA}"/>
               </a:ext>
             </a:extLst>
           </p:cNvPr>
@@ -4622,113 +4474,226 @@
         </p:nvSpPr>
         <p:spPr/>
         <p:txBody>
-          <a:bodyPr/>
-          <a:lstStyle/>
-          <a:p>
-            <a:r>
-              <a:rPr lang="en-US" altLang="zh-CN" dirty="0"/>
-              <a:t>1</a:t>
-            </a:r>
-            <a:r>
-              <a:rPr lang="zh-CN" altLang="en-US" dirty="0"/>
-              <a:t>，看每个小材料的标题，迅速掌握“文章在介绍的是什么”，圈画文章题目</a:t>
-            </a:r>
-            <a:r>
-              <a:rPr lang="en-US" altLang="zh-CN" dirty="0"/>
+          <a:bodyPr>
+            <a:normAutofit lnSpcReduction="10000"/>
+          </a:bodyPr>
+          <a:lstStyle/>
+          <a:p>
+            <a:r>
+              <a:rPr lang="en-US" altLang="zh-CN" b="1" i="0" dirty="0">
+                <a:solidFill>
+                  <a:srgbClr val="404040"/>
+                </a:solidFill>
+                <a:effectLst/>
+                <a:latin typeface="-apple-system"/>
+              </a:rPr>
+              <a:t>1.</a:t>
+            </a:r>
+            <a:r>
+              <a:rPr lang="zh-CN" altLang="en-US" b="1" i="0" dirty="0">
+                <a:solidFill>
+                  <a:srgbClr val="404040"/>
+                </a:solidFill>
+                <a:effectLst/>
+                <a:latin typeface="-apple-system"/>
+              </a:rPr>
+              <a:t>理解词句及文本内容</a:t>
+            </a:r>
+            <a:endParaRPr lang="en-US" altLang="zh-CN" b="1" i="0" dirty="0">
+              <a:solidFill>
+                <a:srgbClr val="404040"/>
+              </a:solidFill>
+              <a:effectLst/>
+              <a:latin typeface="-apple-system"/>
+            </a:endParaRPr>
+          </a:p>
+          <a:p>
+            <a:r>
+              <a:rPr lang="en-US" altLang="zh-CN" b="1" i="0" dirty="0">
+                <a:solidFill>
+                  <a:srgbClr val="404040"/>
+                </a:solidFill>
+                <a:effectLst/>
+                <a:latin typeface="-apple-system"/>
+              </a:rPr>
+              <a:t>2.</a:t>
+            </a:r>
+            <a:r>
+              <a:rPr lang="zh-CN" altLang="en-US" b="1" i="0" dirty="0">
+                <a:solidFill>
+                  <a:srgbClr val="404040"/>
+                </a:solidFill>
+                <a:effectLst/>
+                <a:latin typeface="-apple-system"/>
+              </a:rPr>
+              <a:t>提取信息与概括要点</a:t>
+            </a:r>
+            <a:endParaRPr lang="en-US" altLang="zh-CN" b="1" dirty="0">
+              <a:solidFill>
+                <a:srgbClr val="404040"/>
+              </a:solidFill>
+              <a:latin typeface="-apple-system"/>
+            </a:endParaRPr>
+          </a:p>
+          <a:p>
+            <a:r>
+              <a:rPr lang="en-US" altLang="zh-CN" b="1" i="0" dirty="0">
+                <a:solidFill>
+                  <a:srgbClr val="404040"/>
+                </a:solidFill>
+                <a:effectLst/>
+                <a:latin typeface="-apple-system"/>
+              </a:rPr>
+              <a:t>3.</a:t>
+            </a:r>
+            <a:r>
+              <a:rPr lang="zh-CN" altLang="en-US" b="1" i="0" dirty="0">
+                <a:solidFill>
+                  <a:srgbClr val="404040"/>
+                </a:solidFill>
+                <a:effectLst/>
+                <a:latin typeface="-apple-system"/>
+              </a:rPr>
+              <a:t>梳理说明顺序与结构</a:t>
+            </a:r>
+            <a:endParaRPr lang="en-US" altLang="zh-CN" b="1" i="0" dirty="0">
+              <a:solidFill>
+                <a:srgbClr val="404040"/>
+              </a:solidFill>
+              <a:effectLst/>
+              <a:latin typeface="-apple-system"/>
+            </a:endParaRPr>
+          </a:p>
+          <a:p>
+            <a:r>
+              <a:rPr lang="en-US" altLang="zh-CN" b="1" i="0" dirty="0">
+                <a:solidFill>
+                  <a:srgbClr val="404040"/>
+                </a:solidFill>
+                <a:effectLst/>
+                <a:latin typeface="-apple-system"/>
+              </a:rPr>
+              <a:t>4.</a:t>
+            </a:r>
+            <a:r>
+              <a:rPr lang="zh-CN" altLang="en-US" b="1" i="0" dirty="0">
+                <a:solidFill>
+                  <a:srgbClr val="404040"/>
+                </a:solidFill>
+                <a:effectLst/>
+                <a:latin typeface="-apple-system"/>
+              </a:rPr>
+              <a:t>辨析说明方法及作用</a:t>
+            </a:r>
+            <a:endParaRPr lang="en-US" altLang="zh-CN" b="1" dirty="0">
+              <a:solidFill>
+                <a:srgbClr val="404040"/>
+              </a:solidFill>
+              <a:latin typeface="-apple-system"/>
+            </a:endParaRPr>
+          </a:p>
+          <a:p>
+            <a:r>
+              <a:rPr lang="en-US" altLang="zh-CN" b="1" i="0" dirty="0">
+                <a:solidFill>
+                  <a:srgbClr val="404040"/>
+                </a:solidFill>
+                <a:effectLst/>
+                <a:latin typeface="-apple-system"/>
+              </a:rPr>
+              <a:t>5.</a:t>
+            </a:r>
+            <a:r>
+              <a:rPr lang="zh-CN" altLang="en-US" b="1" i="0" dirty="0">
+                <a:solidFill>
+                  <a:srgbClr val="404040"/>
+                </a:solidFill>
+                <a:effectLst/>
+                <a:latin typeface="-apple-system"/>
+              </a:rPr>
+              <a:t>品析语言的准确性</a:t>
+            </a:r>
+            <a:endParaRPr lang="en-US" altLang="zh-CN" b="1" i="0" dirty="0">
+              <a:solidFill>
+                <a:srgbClr val="404040"/>
+              </a:solidFill>
+              <a:effectLst/>
+              <a:latin typeface="-apple-system"/>
+            </a:endParaRPr>
+          </a:p>
+          <a:p>
+            <a:r>
+              <a:rPr lang="en-US" altLang="zh-CN" b="1" i="0" dirty="0">
+                <a:solidFill>
+                  <a:srgbClr val="404040"/>
+                </a:solidFill>
+                <a:effectLst/>
+                <a:latin typeface="-apple-system"/>
+              </a:rPr>
+              <a:t>6.</a:t>
+            </a:r>
+            <a:r>
+              <a:rPr lang="zh-CN" altLang="en-US" b="1" i="0" dirty="0">
+                <a:solidFill>
+                  <a:srgbClr val="404040"/>
+                </a:solidFill>
+                <a:effectLst/>
+                <a:latin typeface="-apple-system"/>
+              </a:rPr>
+              <a:t>迁移拓展及其应用</a:t>
+            </a:r>
+            <a:endParaRPr lang="en-US" altLang="zh-CN" b="1" i="0" dirty="0">
+              <a:solidFill>
+                <a:srgbClr val="404040"/>
+              </a:solidFill>
+              <a:effectLst/>
+              <a:latin typeface="-apple-system"/>
+            </a:endParaRPr>
+          </a:p>
+          <a:p>
+            <a:endParaRPr lang="en-US" altLang="zh-CN" b="1" dirty="0">
+              <a:solidFill>
+                <a:srgbClr val="404040"/>
+              </a:solidFill>
+              <a:latin typeface="-apple-system"/>
+            </a:endParaRPr>
+          </a:p>
+          <a:p>
+            <a:r>
+              <a:rPr lang="zh-CN" altLang="en-US" b="1" dirty="0">
+                <a:solidFill>
+                  <a:srgbClr val="404040"/>
+                </a:solidFill>
+                <a:latin typeface="-apple-system"/>
+              </a:rPr>
+              <a:t>初中实用性文本主要考察：说明文</a:t>
+            </a:r>
+            <a:r>
+              <a:rPr lang="en-US" altLang="zh-CN" b="1" dirty="0">
+                <a:solidFill>
+                  <a:srgbClr val="404040"/>
+                </a:solidFill>
+                <a:latin typeface="-apple-system"/>
+              </a:rPr>
               <a:t>/</a:t>
             </a:r>
             <a:r>
-              <a:rPr lang="zh-CN" altLang="en-US" dirty="0"/>
-              <a:t>选文来源的关键词</a:t>
-            </a:r>
-            <a:endParaRPr lang="en-US" altLang="zh-CN" dirty="0"/>
-          </a:p>
-          <a:p>
-            <a:r>
-              <a:rPr lang="en-US" altLang="zh-CN" dirty="0"/>
-              <a:t>2</a:t>
-            </a:r>
-            <a:r>
-              <a:rPr lang="zh-CN" altLang="en-US" dirty="0"/>
-              <a:t>，读开头段</a:t>
-            </a:r>
-            <a:r>
-              <a:rPr lang="en-US" altLang="zh-CN" dirty="0"/>
-              <a:t>(</a:t>
-            </a:r>
-            <a:r>
-              <a:rPr lang="zh-CN" altLang="en-US" dirty="0"/>
-              <a:t>一段或几段</a:t>
-            </a:r>
-            <a:r>
-              <a:rPr lang="en-US" altLang="zh-CN" dirty="0"/>
-              <a:t>)</a:t>
-            </a:r>
-            <a:r>
-              <a:rPr lang="zh-CN" altLang="en-US" dirty="0"/>
-              <a:t>，找到文章的中心观点所在</a:t>
-            </a:r>
-            <a:endParaRPr lang="en-US" altLang="zh-CN" dirty="0"/>
-          </a:p>
-          <a:p>
-            <a:r>
-              <a:rPr lang="en-US" altLang="zh-CN" dirty="0"/>
-              <a:t>3</a:t>
-            </a:r>
-            <a:r>
-              <a:rPr lang="zh-CN" altLang="en-US" dirty="0"/>
-              <a:t>，一般文章都是以总</a:t>
-            </a:r>
-            <a:r>
-              <a:rPr lang="en-US" altLang="zh-CN" dirty="0"/>
-              <a:t>——</a:t>
-            </a:r>
-            <a:r>
-              <a:rPr lang="zh-CN" altLang="en-US" dirty="0"/>
-              <a:t>分</a:t>
-            </a:r>
-            <a:r>
-              <a:rPr lang="en-US" altLang="zh-CN" dirty="0"/>
-              <a:t>——</a:t>
-            </a:r>
-            <a:r>
-              <a:rPr lang="zh-CN" altLang="en-US" dirty="0"/>
-              <a:t>总或者总</a:t>
-            </a:r>
-            <a:r>
-              <a:rPr lang="en-US" altLang="zh-CN" dirty="0"/>
-              <a:t>——</a:t>
-            </a:r>
-            <a:r>
-              <a:rPr lang="zh-CN" altLang="en-US" dirty="0"/>
-              <a:t>分的结构，中间的部分大多以“并列”的形式分述，重点看段落的首局，中间文字略读，用各种圈画起来</a:t>
-            </a:r>
-            <a:endParaRPr lang="en-US" altLang="zh-CN" dirty="0"/>
-          </a:p>
-          <a:p>
-            <a:r>
-              <a:rPr lang="en-US" altLang="zh-CN" dirty="0"/>
-              <a:t>4</a:t>
-            </a:r>
-            <a:r>
-              <a:rPr lang="zh-CN" altLang="en-US" dirty="0"/>
-              <a:t>，看结尾，看有没有总结段</a:t>
-            </a:r>
-            <a:r>
-              <a:rPr lang="en-US" altLang="zh-CN" dirty="0"/>
-              <a:t>/</a:t>
-            </a:r>
-            <a:r>
-              <a:rPr lang="zh-CN" altLang="en-US" dirty="0"/>
-              <a:t>总结句</a:t>
-            </a:r>
+              <a:rPr lang="zh-CN" altLang="en-US" b="1" dirty="0">
+                <a:solidFill>
+                  <a:srgbClr val="404040"/>
+                </a:solidFill>
+                <a:latin typeface="-apple-system"/>
+              </a:rPr>
+              <a:t>议论文阅读（广州中考主要考）</a:t>
+            </a:r>
+            <a:endParaRPr lang="zh-CN" altLang="en-US" dirty="0"/>
           </a:p>
         </p:txBody>
       </p:sp>
     </p:spTree>
     <p:extLst>
       <p:ext uri="{BB962C8B-B14F-4D97-AF65-F5344CB8AC3E}">
-        <p14:creationId xmlns:p14="http://schemas.microsoft.com/office/powerpoint/2010/main" val="1138956193"/>
+        <p14:creationId xmlns:p14="http://schemas.microsoft.com/office/powerpoint/2010/main" val="3750059985"/>
       </p:ext>
     </p:extLst>
   </p:cSld>
@@ -4915,7 +4880,7 @@
           <p:cNvPr id="2" name="标题 1">
             <a:extLst>
               <a:ext uri="{FF2B5EF4-FFF2-40B4-BE49-F238E27FC236}">
-                <a16:creationId xmlns:a16="http://schemas.microsoft.com/office/drawing/2014/main" id="{0804E8E7-1FCC-B710-EE5A-F98ED2641CF0}"/>
+                <a16:creationId xmlns:a16="http://schemas.microsoft.com/office/drawing/2014/main" id="{0E7C671D-2C96-F26F-3752-D0E17CF5A099}"/>
               </a:ext>
             </a:extLst>
           </p:cNvPr>
@@ -4933,7 +4898,7 @@
           <a:p>
             <a:r>
               <a:rPr lang="zh-CN" altLang="en-US" dirty="0"/>
-              <a:t>说明方法及作用</a:t>
+              <a:t>阅读说明文技巧：</a:t>
             </a:r>
           </a:p>
         </p:txBody>
@@ -4943,7 +4908,7 @@
           <p:cNvPr id="3" name="内容占位符 2">
             <a:extLst>
               <a:ext uri="{FF2B5EF4-FFF2-40B4-BE49-F238E27FC236}">
-                <a16:creationId xmlns:a16="http://schemas.microsoft.com/office/drawing/2014/main" id="{850A5C0F-03A6-5A80-0609-BB7BE263D3B0}"/>
+                <a16:creationId xmlns:a16="http://schemas.microsoft.com/office/drawing/2014/main" id="{830CCA18-6AE6-0DC4-3785-4277BA2457F6}"/>
               </a:ext>
             </a:extLst>
           </p:cNvPr>
@@ -4959,237 +4924,110 @@
           <a:bodyPr/>
           <a:lstStyle/>
           <a:p>
-            <a:pPr indent="356870" algn="just">
-              <a:lnSpc>
-                <a:spcPts val="2500"/>
-              </a:lnSpc>
-            </a:pPr>
-            <a:r>
-              <a:rPr lang="zh-CN" altLang="zh-CN" sz="1800" b="1" kern="100" dirty="0">
-                <a:effectLst/>
-                <a:latin typeface="Times New Roman" panose="02020603050405020304" pitchFamily="18" charset="0"/>
-                <a:ea typeface="楷体_GB2312"/>
-              </a:rPr>
-              <a:t>①．举例子：具体真切地说明了事物的××特点。</a:t>
-            </a:r>
-            <a:r>
-              <a:rPr lang="en-US" altLang="zh-CN" sz="1800" b="1" kern="100" dirty="0">
-                <a:effectLst/>
-                <a:latin typeface="Times New Roman" panose="02020603050405020304" pitchFamily="18" charset="0"/>
-                <a:ea typeface="楷体_GB2312"/>
-              </a:rPr>
-              <a:t>   </a:t>
-            </a:r>
-            <a:endParaRPr lang="zh-CN" altLang="zh-CN" sz="1800" kern="100" dirty="0">
-              <a:effectLst/>
-              <a:latin typeface="Times New Roman" panose="02020603050405020304" pitchFamily="18" charset="0"/>
-              <a:ea typeface="宋体" panose="02010600030101010101" pitchFamily="2" charset="-122"/>
-            </a:endParaRPr>
-          </a:p>
-          <a:p>
-            <a:pPr indent="356870" algn="just">
-              <a:lnSpc>
-                <a:spcPts val="2500"/>
-              </a:lnSpc>
-            </a:pPr>
-            <a:r>
-              <a:rPr lang="zh-CN" altLang="zh-CN" sz="1800" b="1" kern="100" dirty="0">
-                <a:effectLst/>
-                <a:latin typeface="Times New Roman" panose="02020603050405020304" pitchFamily="18" charset="0"/>
-                <a:ea typeface="楷体_GB2312"/>
-              </a:rPr>
-              <a:t>②．分类别：条理清楚地说明了事物的××特点。对事物的特征</a:t>
-            </a:r>
-            <a:r>
-              <a:rPr lang="en-US" altLang="zh-CN" sz="1800" b="1" kern="100" dirty="0">
-                <a:effectLst/>
-                <a:latin typeface="Times New Roman" panose="02020603050405020304" pitchFamily="18" charset="0"/>
-                <a:ea typeface="楷体_GB2312"/>
-              </a:rPr>
+            <a:r>
+              <a:rPr lang="en-US" altLang="zh-CN" dirty="0"/>
+              <a:t>1</a:t>
+            </a:r>
+            <a:r>
+              <a:rPr lang="zh-CN" altLang="en-US" dirty="0"/>
+              <a:t>，看每个小材料的标题，迅速掌握“文章在介绍的是什么”，圈画文章题目</a:t>
+            </a:r>
+            <a:r>
+              <a:rPr lang="en-US" altLang="zh-CN" dirty="0"/>
               <a:t>/</a:t>
             </a:r>
             <a:r>
-              <a:rPr lang="zh-CN" altLang="zh-CN" sz="1800" b="1" kern="100" dirty="0">
-                <a:effectLst/>
-                <a:latin typeface="Times New Roman" panose="02020603050405020304" pitchFamily="18" charset="0"/>
-                <a:ea typeface="楷体_GB2312"/>
-              </a:rPr>
-              <a:t>事理分门别类加以说明，使说明更有条理性。使说明的内容眉目清楚，避免重复交叉的现象。</a:t>
-            </a:r>
-            <a:r>
-              <a:rPr lang="en-US" altLang="zh-CN" sz="1800" b="1" kern="100" dirty="0">
-                <a:effectLst/>
-                <a:latin typeface="Times New Roman" panose="02020603050405020304" pitchFamily="18" charset="0"/>
-                <a:ea typeface="楷体_GB2312"/>
-              </a:rPr>
-              <a:t>    </a:t>
-            </a:r>
-            <a:endParaRPr lang="zh-CN" altLang="zh-CN" sz="1800" kern="100" dirty="0">
-              <a:effectLst/>
-              <a:latin typeface="Times New Roman" panose="02020603050405020304" pitchFamily="18" charset="0"/>
-              <a:ea typeface="宋体" panose="02010600030101010101" pitchFamily="2" charset="-122"/>
-            </a:endParaRPr>
-          </a:p>
-          <a:p>
-            <a:pPr indent="356870" algn="just">
-              <a:lnSpc>
-                <a:spcPts val="2500"/>
-              </a:lnSpc>
-            </a:pPr>
-            <a:r>
-              <a:rPr lang="zh-CN" altLang="zh-CN" sz="1800" b="1" kern="100" dirty="0">
-                <a:effectLst/>
-                <a:latin typeface="Times New Roman" panose="02020603050405020304" pitchFamily="18" charset="0"/>
-                <a:ea typeface="楷体_GB2312"/>
-              </a:rPr>
-              <a:t>③．列数字：具体而准确地说明该事物的××特点。使说明更有说服力。</a:t>
-            </a:r>
-            <a:r>
-              <a:rPr lang="en-US" altLang="zh-CN" sz="1800" b="1" kern="100" dirty="0">
-                <a:effectLst/>
-                <a:latin typeface="Times New Roman" panose="02020603050405020304" pitchFamily="18" charset="0"/>
-                <a:ea typeface="楷体_GB2312"/>
-              </a:rPr>
-              <a:t>   </a:t>
-            </a:r>
-          </a:p>
-          <a:p>
-            <a:pPr indent="356870" algn="just">
-              <a:lnSpc>
-                <a:spcPts val="2500"/>
-              </a:lnSpc>
-            </a:pPr>
-            <a:r>
-              <a:rPr lang="zh-CN" altLang="zh-CN" sz="1800" b="1" kern="100" dirty="0">
-                <a:effectLst/>
-                <a:ea typeface="楷体_GB2312"/>
-                <a:cs typeface="Times New Roman" panose="02020603050405020304" pitchFamily="18" charset="0"/>
-              </a:rPr>
-              <a:t>④．作比较：突出强调了被说明对象的××特点（地位、影响等）。</a:t>
-            </a:r>
-            <a:r>
-              <a:rPr lang="en-US" altLang="zh-CN" sz="1800" b="1" kern="100" dirty="0">
-                <a:effectLst/>
-                <a:ea typeface="楷体_GB2312"/>
-                <a:cs typeface="Times New Roman" panose="02020603050405020304" pitchFamily="18" charset="0"/>
-              </a:rPr>
-              <a:t> </a:t>
-            </a:r>
-            <a:endParaRPr lang="zh-CN" altLang="en-US" sz="1800" dirty="0"/>
-          </a:p>
-          <a:p>
-            <a:pPr indent="356870" algn="just">
-              <a:lnSpc>
-                <a:spcPts val="2500"/>
-              </a:lnSpc>
-            </a:pPr>
-            <a:r>
-              <a:rPr lang="zh-CN" altLang="zh-CN" sz="1800" b="1" kern="100" dirty="0">
-                <a:effectLst/>
-                <a:latin typeface="Times New Roman" panose="02020603050405020304" pitchFamily="18" charset="0"/>
-                <a:ea typeface="楷体_GB2312"/>
-              </a:rPr>
-              <a:t>⑤．下定义：用简明科学的语言对说明的对象</a:t>
-            </a:r>
-            <a:r>
-              <a:rPr lang="en-US" altLang="zh-CN" sz="1800" b="1" kern="100" dirty="0">
-                <a:effectLst/>
-                <a:latin typeface="Times New Roman" panose="02020603050405020304" pitchFamily="18" charset="0"/>
-                <a:ea typeface="楷体_GB2312"/>
-              </a:rPr>
+              <a:rPr lang="zh-CN" altLang="en-US" dirty="0"/>
+              <a:t>选文来源的关键词</a:t>
+            </a:r>
+            <a:endParaRPr lang="en-US" altLang="zh-CN" dirty="0"/>
+          </a:p>
+          <a:p>
+            <a:r>
+              <a:rPr lang="en-US" altLang="zh-CN" dirty="0"/>
+              <a:t>2</a:t>
+            </a:r>
+            <a:r>
+              <a:rPr lang="zh-CN" altLang="en-US" dirty="0"/>
+              <a:t>，读开头段</a:t>
+            </a:r>
+            <a:r>
+              <a:rPr lang="en-US" altLang="zh-CN" dirty="0"/>
+              <a:t>(</a:t>
+            </a:r>
+            <a:r>
+              <a:rPr lang="zh-CN" altLang="en-US" dirty="0"/>
+              <a:t>一段或几段</a:t>
+            </a:r>
+            <a:r>
+              <a:rPr lang="en-US" altLang="zh-CN" dirty="0"/>
+              <a:t>)</a:t>
+            </a:r>
+            <a:r>
+              <a:rPr lang="zh-CN" altLang="en-US" dirty="0"/>
+              <a:t>，找到文章的中心观点所在</a:t>
+            </a:r>
+            <a:endParaRPr lang="en-US" altLang="zh-CN" dirty="0"/>
+          </a:p>
+          <a:p>
+            <a:r>
+              <a:rPr lang="en-US" altLang="zh-CN" dirty="0"/>
+              <a:t>3</a:t>
+            </a:r>
+            <a:r>
+              <a:rPr lang="zh-CN" altLang="en-US" dirty="0"/>
+              <a:t>，一般文章都是以总</a:t>
+            </a:r>
+            <a:r>
+              <a:rPr lang="en-US" altLang="zh-CN" dirty="0"/>
+              <a:t>——</a:t>
+            </a:r>
+            <a:r>
+              <a:rPr lang="zh-CN" altLang="en-US" dirty="0"/>
+              <a:t>分</a:t>
+            </a:r>
+            <a:r>
+              <a:rPr lang="en-US" altLang="zh-CN" dirty="0"/>
+              <a:t>——</a:t>
+            </a:r>
+            <a:r>
+              <a:rPr lang="zh-CN" altLang="en-US" dirty="0"/>
+              <a:t>总或者总</a:t>
+            </a:r>
+            <a:r>
+              <a:rPr lang="en-US" altLang="zh-CN" dirty="0"/>
+              <a:t>——</a:t>
+            </a:r>
+            <a:r>
+              <a:rPr lang="zh-CN" altLang="en-US" dirty="0"/>
+              <a:t>分的结构，中间的部分大多以“并列”的形式分述，重点看段落的首局，中间文字略读，用各种圈画起来</a:t>
+            </a:r>
+            <a:endParaRPr lang="en-US" altLang="zh-CN" dirty="0"/>
+          </a:p>
+          <a:p>
+            <a:r>
+              <a:rPr lang="en-US" altLang="zh-CN" dirty="0"/>
+              <a:t>4</a:t>
+            </a:r>
+            <a:r>
+              <a:rPr lang="zh-CN" altLang="en-US" dirty="0"/>
+              <a:t>，看结尾，看有没有总结段</a:t>
+            </a:r>
+            <a:r>
+              <a:rPr lang="en-US" altLang="zh-CN" dirty="0"/>
               <a:t>/</a:t>
             </a:r>
             <a:r>
-              <a:rPr lang="zh-CN" altLang="zh-CN" sz="1800" b="1" kern="100" dirty="0">
-                <a:effectLst/>
-                <a:latin typeface="Times New Roman" panose="02020603050405020304" pitchFamily="18" charset="0"/>
-                <a:ea typeface="楷体_GB2312"/>
-              </a:rPr>
-              <a:t>科学事理加以揭示，从而更科学、更本质、更概括地揭示事物的特征</a:t>
-            </a:r>
-            <a:r>
-              <a:rPr lang="en-US" altLang="zh-CN" sz="1800" b="1" kern="100" dirty="0">
-                <a:effectLst/>
-                <a:latin typeface="Times New Roman" panose="02020603050405020304" pitchFamily="18" charset="0"/>
-                <a:ea typeface="楷体_GB2312"/>
-              </a:rPr>
-              <a:t>/</a:t>
-            </a:r>
-            <a:r>
-              <a:rPr lang="zh-CN" altLang="zh-CN" sz="1800" b="1" kern="100" dirty="0">
-                <a:effectLst/>
-                <a:latin typeface="Times New Roman" panose="02020603050405020304" pitchFamily="18" charset="0"/>
-                <a:ea typeface="楷体_GB2312"/>
-              </a:rPr>
-              <a:t>事理。</a:t>
-            </a:r>
-            <a:r>
-              <a:rPr lang="en-US" altLang="zh-CN" sz="1800" b="1" kern="100" dirty="0">
-                <a:effectLst/>
-                <a:latin typeface="Times New Roman" panose="02020603050405020304" pitchFamily="18" charset="0"/>
-                <a:ea typeface="楷体_GB2312"/>
-              </a:rPr>
-              <a:t>    </a:t>
-            </a:r>
-            <a:endParaRPr lang="zh-CN" altLang="zh-CN" sz="1800" kern="100" dirty="0">
-              <a:effectLst/>
-              <a:latin typeface="Times New Roman" panose="02020603050405020304" pitchFamily="18" charset="0"/>
-              <a:ea typeface="宋体" panose="02010600030101010101" pitchFamily="2" charset="-122"/>
-            </a:endParaRPr>
-          </a:p>
-          <a:p>
-            <a:pPr indent="356870" algn="just">
-              <a:lnSpc>
-                <a:spcPts val="2500"/>
-              </a:lnSpc>
-            </a:pPr>
-            <a:r>
-              <a:rPr lang="zh-CN" altLang="zh-CN" sz="1800" b="1" kern="100" dirty="0">
-                <a:effectLst/>
-                <a:latin typeface="Times New Roman" panose="02020603050405020304" pitchFamily="18" charset="0"/>
-                <a:ea typeface="楷体_GB2312"/>
-              </a:rPr>
-              <a:t>⑥．打比方：打比方就是修辞方法中的比喻。生动形象地说明该事物的××特点，增强了文章的趣味性。</a:t>
-            </a:r>
-            <a:r>
-              <a:rPr lang="en-US" altLang="zh-CN" sz="1800" b="1" kern="100" dirty="0">
-                <a:effectLst/>
-                <a:latin typeface="Times New Roman" panose="02020603050405020304" pitchFamily="18" charset="0"/>
-                <a:ea typeface="楷体_GB2312"/>
-              </a:rPr>
-              <a:t>  </a:t>
-            </a:r>
-            <a:endParaRPr lang="en-US" altLang="zh-CN" sz="1800" kern="100" dirty="0">
-              <a:latin typeface="Times New Roman" panose="02020603050405020304" pitchFamily="18" charset="0"/>
-              <a:ea typeface="宋体" panose="02010600030101010101" pitchFamily="2" charset="-122"/>
-            </a:endParaRPr>
-          </a:p>
-          <a:p>
-            <a:pPr indent="356870" algn="just">
-              <a:lnSpc>
-                <a:spcPts val="2500"/>
-              </a:lnSpc>
-            </a:pPr>
-            <a:r>
-              <a:rPr lang="zh-CN" altLang="zh-CN" sz="1800" b="1" kern="100" dirty="0">
-                <a:effectLst/>
-                <a:ea typeface="楷体_GB2312"/>
-                <a:cs typeface="Times New Roman" panose="02020603050405020304" pitchFamily="18" charset="0"/>
-              </a:rPr>
-              <a:t>⑦．画图表：使读者一目了然，非常直观形象地说明的事物的××特点。</a:t>
-            </a:r>
-            <a:endParaRPr lang="zh-CN" altLang="zh-CN" sz="1800" kern="100" dirty="0">
-              <a:effectLst/>
-              <a:latin typeface="Times New Roman" panose="02020603050405020304" pitchFamily="18" charset="0"/>
-              <a:ea typeface="宋体" panose="02010600030101010101" pitchFamily="2" charset="-122"/>
-            </a:endParaRPr>
+              <a:rPr lang="zh-CN" altLang="en-US" dirty="0"/>
+              <a:t>总结句</a:t>
+            </a:r>
           </a:p>
         </p:txBody>
       </p:sp>
     </p:spTree>
     <p:extLst>
       <p:ext uri="{BB962C8B-B14F-4D97-AF65-F5344CB8AC3E}">
-        <p14:creationId xmlns:p14="http://schemas.microsoft.com/office/powerpoint/2010/main" val="3266763616"/>
+        <p14:creationId xmlns:p14="http://schemas.microsoft.com/office/powerpoint/2010/main" val="1138956193"/>
       </p:ext>
     </p:extLst>
   </p:cSld>
@@ -5221,6 +5059,312 @@
           <p:cNvPr id="2" name="标题 1">
             <a:extLst>
               <a:ext uri="{FF2B5EF4-FFF2-40B4-BE49-F238E27FC236}">
+                <a16:creationId xmlns:a16="http://schemas.microsoft.com/office/drawing/2014/main" id="{0804E8E7-1FCC-B710-EE5A-F98ED2641CF0}"/>
+              </a:ext>
+            </a:extLst>
+          </p:cNvPr>
+          <p:cNvSpPr>
+            <a:spLocks noGrp="1"/>
+          </p:cNvSpPr>
+          <p:nvPr>
+            <p:ph type="title"/>
+          </p:nvPr>
+        </p:nvSpPr>
+        <p:spPr/>
+        <p:txBody>
+          <a:bodyPr/>
+          <a:lstStyle/>
+          <a:p>
+            <a:r>
+              <a:rPr lang="zh-CN" altLang="en-US" dirty="0"/>
+              <a:t>说明方法及作用</a:t>
+            </a:r>
+          </a:p>
+        </p:txBody>
+      </p:sp>
+      <p:sp>
+        <p:nvSpPr>
+          <p:cNvPr id="3" name="内容占位符 2">
+            <a:extLst>
+              <a:ext uri="{FF2B5EF4-FFF2-40B4-BE49-F238E27FC236}">
+                <a16:creationId xmlns:a16="http://schemas.microsoft.com/office/drawing/2014/main" id="{850A5C0F-03A6-5A80-0609-BB7BE263D3B0}"/>
+              </a:ext>
+            </a:extLst>
+          </p:cNvPr>
+          <p:cNvSpPr>
+            <a:spLocks noGrp="1"/>
+          </p:cNvSpPr>
+          <p:nvPr>
+            <p:ph idx="1"/>
+          </p:nvPr>
+        </p:nvSpPr>
+        <p:spPr/>
+        <p:txBody>
+          <a:bodyPr/>
+          <a:lstStyle/>
+          <a:p>
+            <a:pPr indent="356870" algn="just">
+              <a:lnSpc>
+                <a:spcPts val="2500"/>
+              </a:lnSpc>
+            </a:pPr>
+            <a:r>
+              <a:rPr lang="zh-CN" altLang="zh-CN" sz="1800" b="1" kern="100" dirty="0">
+                <a:effectLst/>
+                <a:latin typeface="Times New Roman" panose="02020603050405020304" pitchFamily="18" charset="0"/>
+                <a:ea typeface="楷体_GB2312"/>
+              </a:rPr>
+              <a:t>①．举例子：具体真切地说明了事物的××特点。</a:t>
+            </a:r>
+            <a:r>
+              <a:rPr lang="en-US" altLang="zh-CN" sz="1800" b="1" kern="100" dirty="0">
+                <a:effectLst/>
+                <a:latin typeface="Times New Roman" panose="02020603050405020304" pitchFamily="18" charset="0"/>
+                <a:ea typeface="楷体_GB2312"/>
+              </a:rPr>
+              <a:t>   </a:t>
+            </a:r>
+            <a:endParaRPr lang="zh-CN" altLang="zh-CN" sz="1800" kern="100" dirty="0">
+              <a:effectLst/>
+              <a:latin typeface="Times New Roman" panose="02020603050405020304" pitchFamily="18" charset="0"/>
+              <a:ea typeface="宋体" panose="02010600030101010101" pitchFamily="2" charset="-122"/>
+            </a:endParaRPr>
+          </a:p>
+          <a:p>
+            <a:pPr indent="356870" algn="just">
+              <a:lnSpc>
+                <a:spcPts val="2500"/>
+              </a:lnSpc>
+            </a:pPr>
+            <a:r>
+              <a:rPr lang="zh-CN" altLang="zh-CN" sz="1800" b="1" kern="100" dirty="0">
+                <a:effectLst/>
+                <a:latin typeface="Times New Roman" panose="02020603050405020304" pitchFamily="18" charset="0"/>
+                <a:ea typeface="楷体_GB2312"/>
+              </a:rPr>
+              <a:t>②．分类别：条理清楚地说明了事物的××特点。对事物的特征</a:t>
+            </a:r>
+            <a:r>
+              <a:rPr lang="en-US" altLang="zh-CN" sz="1800" b="1" kern="100" dirty="0">
+                <a:effectLst/>
+                <a:latin typeface="Times New Roman" panose="02020603050405020304" pitchFamily="18" charset="0"/>
+                <a:ea typeface="楷体_GB2312"/>
+              </a:rPr>
+              <a:t>/</a:t>
+            </a:r>
+            <a:r>
+              <a:rPr lang="zh-CN" altLang="zh-CN" sz="1800" b="1" kern="100" dirty="0">
+                <a:effectLst/>
+                <a:latin typeface="Times New Roman" panose="02020603050405020304" pitchFamily="18" charset="0"/>
+                <a:ea typeface="楷体_GB2312"/>
+              </a:rPr>
+              <a:t>事理分门别类加以说明，使说明更有条理性。使说明的内容眉目清楚，避免重复交叉的现象。</a:t>
+            </a:r>
+            <a:r>
+              <a:rPr lang="en-US" altLang="zh-CN" sz="1800" b="1" kern="100" dirty="0">
+                <a:effectLst/>
+                <a:latin typeface="Times New Roman" panose="02020603050405020304" pitchFamily="18" charset="0"/>
+                <a:ea typeface="楷体_GB2312"/>
+              </a:rPr>
+              <a:t>    </a:t>
+            </a:r>
+            <a:endParaRPr lang="zh-CN" altLang="zh-CN" sz="1800" kern="100" dirty="0">
+              <a:effectLst/>
+              <a:latin typeface="Times New Roman" panose="02020603050405020304" pitchFamily="18" charset="0"/>
+              <a:ea typeface="宋体" panose="02010600030101010101" pitchFamily="2" charset="-122"/>
+            </a:endParaRPr>
+          </a:p>
+          <a:p>
+            <a:pPr indent="356870" algn="just">
+              <a:lnSpc>
+                <a:spcPts val="2500"/>
+              </a:lnSpc>
+            </a:pPr>
+            <a:r>
+              <a:rPr lang="zh-CN" altLang="zh-CN" sz="1800" b="1" kern="100" dirty="0">
+                <a:effectLst/>
+                <a:latin typeface="Times New Roman" panose="02020603050405020304" pitchFamily="18" charset="0"/>
+                <a:ea typeface="楷体_GB2312"/>
+              </a:rPr>
+              <a:t>③．列数字：具体而准确地说明该事物的××特点。使说明更有说服力。</a:t>
+            </a:r>
+            <a:r>
+              <a:rPr lang="en-US" altLang="zh-CN" sz="1800" b="1" kern="100" dirty="0">
+                <a:effectLst/>
+                <a:latin typeface="Times New Roman" panose="02020603050405020304" pitchFamily="18" charset="0"/>
+                <a:ea typeface="楷体_GB2312"/>
+              </a:rPr>
+              <a:t>   </a:t>
+            </a:r>
+          </a:p>
+          <a:p>
+            <a:pPr indent="356870" algn="just">
+              <a:lnSpc>
+                <a:spcPts val="2500"/>
+              </a:lnSpc>
+            </a:pPr>
+            <a:r>
+              <a:rPr lang="zh-CN" altLang="zh-CN" sz="1800" b="1" kern="100" dirty="0">
+                <a:effectLst/>
+                <a:ea typeface="楷体_GB2312"/>
+                <a:cs typeface="Times New Roman" panose="02020603050405020304" pitchFamily="18" charset="0"/>
+              </a:rPr>
+              <a:t>④．作比较：突出强调了被说明对象的××特点（地位、影响等）。</a:t>
+            </a:r>
+            <a:r>
+              <a:rPr lang="en-US" altLang="zh-CN" sz="1800" b="1" kern="100" dirty="0">
+                <a:effectLst/>
+                <a:ea typeface="楷体_GB2312"/>
+                <a:cs typeface="Times New Roman" panose="02020603050405020304" pitchFamily="18" charset="0"/>
+              </a:rPr>
+              <a:t> </a:t>
+            </a:r>
+            <a:endParaRPr lang="zh-CN" altLang="en-US" sz="1800" dirty="0"/>
+          </a:p>
+          <a:p>
+            <a:pPr indent="356870" algn="just">
+              <a:lnSpc>
+                <a:spcPts val="2500"/>
+              </a:lnSpc>
+            </a:pPr>
+            <a:r>
+              <a:rPr lang="zh-CN" altLang="zh-CN" sz="1800" b="1" kern="100" dirty="0">
+                <a:effectLst/>
+                <a:latin typeface="Times New Roman" panose="02020603050405020304" pitchFamily="18" charset="0"/>
+                <a:ea typeface="楷体_GB2312"/>
+              </a:rPr>
+              <a:t>⑤．下定义：用简明科学的语言对说明的对象</a:t>
+            </a:r>
+            <a:r>
+              <a:rPr lang="en-US" altLang="zh-CN" sz="1800" b="1" kern="100" dirty="0">
+                <a:effectLst/>
+                <a:latin typeface="Times New Roman" panose="02020603050405020304" pitchFamily="18" charset="0"/>
+                <a:ea typeface="楷体_GB2312"/>
+              </a:rPr>
+              <a:t>/</a:t>
+            </a:r>
+            <a:r>
+              <a:rPr lang="zh-CN" altLang="zh-CN" sz="1800" b="1" kern="100" dirty="0">
+                <a:effectLst/>
+                <a:latin typeface="Times New Roman" panose="02020603050405020304" pitchFamily="18" charset="0"/>
+                <a:ea typeface="楷体_GB2312"/>
+              </a:rPr>
+              <a:t>科学事理加以揭示，从而更科学、更本质、更概括地揭示事物的特征</a:t>
+            </a:r>
+            <a:r>
+              <a:rPr lang="en-US" altLang="zh-CN" sz="1800" b="1" kern="100" dirty="0">
+                <a:effectLst/>
+                <a:latin typeface="Times New Roman" panose="02020603050405020304" pitchFamily="18" charset="0"/>
+                <a:ea typeface="楷体_GB2312"/>
+              </a:rPr>
+              <a:t>/</a:t>
+            </a:r>
+            <a:r>
+              <a:rPr lang="zh-CN" altLang="zh-CN" sz="1800" b="1" kern="100" dirty="0">
+                <a:effectLst/>
+                <a:latin typeface="Times New Roman" panose="02020603050405020304" pitchFamily="18" charset="0"/>
+                <a:ea typeface="楷体_GB2312"/>
+              </a:rPr>
+              <a:t>事理。</a:t>
+            </a:r>
+            <a:r>
+              <a:rPr lang="en-US" altLang="zh-CN" sz="1800" b="1" kern="100" dirty="0">
+                <a:effectLst/>
+                <a:latin typeface="Times New Roman" panose="02020603050405020304" pitchFamily="18" charset="0"/>
+                <a:ea typeface="楷体_GB2312"/>
+              </a:rPr>
+              <a:t>    </a:t>
+            </a:r>
+            <a:endParaRPr lang="zh-CN" altLang="zh-CN" sz="1800" kern="100" dirty="0">
+              <a:effectLst/>
+              <a:latin typeface="Times New Roman" panose="02020603050405020304" pitchFamily="18" charset="0"/>
+              <a:ea typeface="宋体" panose="02010600030101010101" pitchFamily="2" charset="-122"/>
+            </a:endParaRPr>
+          </a:p>
+          <a:p>
+            <a:pPr indent="356870" algn="just">
+              <a:lnSpc>
+                <a:spcPts val="2500"/>
+              </a:lnSpc>
+            </a:pPr>
+            <a:r>
+              <a:rPr lang="zh-CN" altLang="zh-CN" sz="1800" b="1" kern="100" dirty="0">
+                <a:effectLst/>
+                <a:latin typeface="Times New Roman" panose="02020603050405020304" pitchFamily="18" charset="0"/>
+                <a:ea typeface="楷体_GB2312"/>
+              </a:rPr>
+              <a:t>⑥．打比方：打比方就是修辞方法中的比喻。生动形象地说明该事物的××特点，增强了文章的趣味性。</a:t>
+            </a:r>
+            <a:r>
+              <a:rPr lang="en-US" altLang="zh-CN" sz="1800" b="1" kern="100" dirty="0">
+                <a:effectLst/>
+                <a:latin typeface="Times New Roman" panose="02020603050405020304" pitchFamily="18" charset="0"/>
+                <a:ea typeface="楷体_GB2312"/>
+              </a:rPr>
+              <a:t>  </a:t>
+            </a:r>
+            <a:endParaRPr lang="en-US" altLang="zh-CN" sz="1800" kern="100" dirty="0">
+              <a:latin typeface="Times New Roman" panose="02020603050405020304" pitchFamily="18" charset="0"/>
+              <a:ea typeface="宋体" panose="02010600030101010101" pitchFamily="2" charset="-122"/>
+            </a:endParaRPr>
+          </a:p>
+          <a:p>
+            <a:pPr indent="356870" algn="just">
+              <a:lnSpc>
+                <a:spcPts val="2500"/>
+              </a:lnSpc>
+            </a:pPr>
+            <a:r>
+              <a:rPr lang="zh-CN" altLang="zh-CN" sz="1800" b="1" kern="100" dirty="0">
+                <a:effectLst/>
+                <a:ea typeface="楷体_GB2312"/>
+                <a:cs typeface="Times New Roman" panose="02020603050405020304" pitchFamily="18" charset="0"/>
+              </a:rPr>
+              <a:t>⑦．画图表：使读者一目了然，非常直观形象地说明的事物的××特点。</a:t>
+            </a:r>
+            <a:endParaRPr lang="zh-CN" altLang="zh-CN" sz="1800" kern="100" dirty="0">
+              <a:effectLst/>
+              <a:latin typeface="Times New Roman" panose="02020603050405020304" pitchFamily="18" charset="0"/>
+              <a:ea typeface="宋体" panose="02010600030101010101" pitchFamily="2" charset="-122"/>
+            </a:endParaRPr>
+          </a:p>
+        </p:txBody>
+      </p:sp>
+    </p:spTree>
+    <p:extLst>
+      <p:ext uri="{BB962C8B-B14F-4D97-AF65-F5344CB8AC3E}">
+        <p14:creationId xmlns:p14="http://schemas.microsoft.com/office/powerpoint/2010/main" val="3266763616"/>
+      </p:ext>
+    </p:extLst>
+  </p:cSld>
+  <p:clrMapOvr>
+    <a:masterClrMapping/>
+  </p:clrMapOvr>
+</p:sld>
+</file>
+
+<file path=ppt/slides/slide22.xml><?xml version="1.0" encoding="utf-8"?>
+<p:sld xmlns:a="http://schemas.openxmlformats.org/drawingml/2006/main" xmlns:r="http://schemas.openxmlformats.org/officeDocument/2006/relationships" xmlns:p="http://schemas.openxmlformats.org/presentationml/2006/main">
+  <p:cSld>
+    <p:spTree>
+      <p:nvGrpSpPr>
+        <p:cNvPr id="1" name=""/>
+        <p:cNvGrpSpPr/>
+        <p:nvPr/>
+      </p:nvGrpSpPr>
+      <p:grpSpPr>
+        <a:xfrm>
+          <a:off x="0" y="0"/>
+          <a:ext cx="0" cy="0"/>
+          <a:chOff x="0" y="0"/>
+          <a:chExt cx="0" cy="0"/>
+        </a:xfrm>
+      </p:grpSpPr>
+      <p:sp>
+        <p:nvSpPr>
+          <p:cNvPr id="2" name="标题 1">
+            <a:extLst>
+              <a:ext uri="{FF2B5EF4-FFF2-40B4-BE49-F238E27FC236}">
                 <a16:creationId xmlns:a16="http://schemas.microsoft.com/office/drawing/2014/main" id="{EC556D2E-41E9-DCB3-3B17-481F55ADD447}"/>
               </a:ext>
             </a:extLst>
@@ -5387,7 +5531,7 @@
 </p:sld>
 </file>
 
-<file path=ppt/slides/slide22.xml><?xml version="1.0" encoding="utf-8"?>
+<file path=ppt/slides/slide23.xml><?xml version="1.0" encoding="utf-8"?>
 <p:sld xmlns:a="http://schemas.openxmlformats.org/drawingml/2006/main" xmlns:r="http://schemas.openxmlformats.org/officeDocument/2006/relationships" xmlns:p="http://schemas.openxmlformats.org/presentationml/2006/main">
   <p:cSld>
     <p:spTree>
@@ -5471,117 +5615,6 @@
 </p:sld>
 </file>
 
-<file path=ppt/slides/slide23.xml><?xml version="1.0" encoding="utf-8"?>
-<p:sld xmlns:a="http://schemas.openxmlformats.org/drawingml/2006/main" xmlns:r="http://schemas.openxmlformats.org/officeDocument/2006/relationships" xmlns:p="http://schemas.openxmlformats.org/presentationml/2006/main">
-  <p:cSld>
-    <p:spTree>
-      <p:nvGrpSpPr>
-        <p:cNvPr id="1" name=""/>
-        <p:cNvGrpSpPr/>
-        <p:nvPr/>
-      </p:nvGrpSpPr>
-      <p:grpSpPr>
-        <a:xfrm>
-          <a:off x="0" y="0"/>
-          <a:ext cx="0" cy="0"/>
-          <a:chOff x="0" y="0"/>
-          <a:chExt cx="0" cy="0"/>
-        </a:xfrm>
-      </p:grpSpPr>
-      <p:sp>
-        <p:nvSpPr>
-          <p:cNvPr id="2" name="标题 1">
-            <a:extLst>
-              <a:ext uri="{FF2B5EF4-FFF2-40B4-BE49-F238E27FC236}">
-                <a16:creationId xmlns:a16="http://schemas.microsoft.com/office/drawing/2014/main" id="{46C91215-57F4-C88D-5418-4D6DADF3A8F8}"/>
-              </a:ext>
-            </a:extLst>
-          </p:cNvPr>
-          <p:cNvSpPr>
-            <a:spLocks noGrp="1"/>
-          </p:cNvSpPr>
-          <p:nvPr>
-            <p:ph type="title"/>
-          </p:nvPr>
-        </p:nvSpPr>
-        <p:spPr/>
-        <p:txBody>
-          <a:bodyPr/>
-          <a:lstStyle/>
-          <a:p>
-            <a:r>
-              <a:rPr lang="zh-CN" altLang="en-US" dirty="0"/>
-              <a:t>选择题说明以及技巧：</a:t>
-            </a:r>
-          </a:p>
-        </p:txBody>
-      </p:sp>
-      <p:sp>
-        <p:nvSpPr>
-          <p:cNvPr id="3" name="内容占位符 2">
-            <a:extLst>
-              <a:ext uri="{FF2B5EF4-FFF2-40B4-BE49-F238E27FC236}">
-                <a16:creationId xmlns:a16="http://schemas.microsoft.com/office/drawing/2014/main" id="{4D387465-3F57-AC2A-EA12-3CFF64B4394F}"/>
-              </a:ext>
-            </a:extLst>
-          </p:cNvPr>
-          <p:cNvSpPr>
-            <a:spLocks noGrp="1"/>
-          </p:cNvSpPr>
-          <p:nvPr>
-            <p:ph idx="1"/>
-          </p:nvPr>
-        </p:nvSpPr>
-        <p:spPr/>
-        <p:txBody>
-          <a:bodyPr/>
-          <a:lstStyle/>
-          <a:p>
-            <a:r>
-              <a:rPr lang="zh-CN" altLang="en-US" dirty="0"/>
-              <a:t>说明文当中的选择题一般考察较为简单，以筛选信息为主。</a:t>
-            </a:r>
-            <a:endParaRPr lang="en-US" altLang="zh-CN" dirty="0"/>
-          </a:p>
-          <a:p>
-            <a:r>
-              <a:rPr lang="zh-CN" altLang="en-US" dirty="0"/>
-              <a:t>方法：细致读题，在文本中找到出处一一观察匹配即可</a:t>
-            </a:r>
-            <a:endParaRPr lang="en-US" altLang="zh-CN" dirty="0"/>
-          </a:p>
-          <a:p>
-            <a:endParaRPr lang="en-US" altLang="zh-CN" dirty="0"/>
-          </a:p>
-          <a:p>
-            <a:r>
-              <a:rPr lang="zh-CN" altLang="en-US" dirty="0"/>
-              <a:t>注意：太绝对的词语的出现，</a:t>
-            </a:r>
-            <a:r>
-              <a:rPr lang="en-US" altLang="zh-CN" dirty="0"/>
-              <a:t> 90%</a:t>
-            </a:r>
-            <a:r>
-              <a:rPr lang="zh-CN" altLang="en-US" dirty="0"/>
-              <a:t>本选项是错的</a:t>
-            </a:r>
-          </a:p>
-        </p:txBody>
-      </p:sp>
-    </p:spTree>
-    <p:extLst>
-      <p:ext uri="{BB962C8B-B14F-4D97-AF65-F5344CB8AC3E}">
-        <p14:creationId xmlns:p14="http://schemas.microsoft.com/office/powerpoint/2010/main" val="635836744"/>
-      </p:ext>
-    </p:extLst>
-  </p:cSld>
-  <p:clrMapOvr>
-    <a:masterClrMapping/>
-  </p:clrMapOvr>
-</p:sld>
-</file>
-
 <file path=ppt/slides/slide24.xml><?xml version="1.0" encoding="utf-8"?>
 <p:sld xmlns:a="http://schemas.openxmlformats.org/drawingml/2006/main" xmlns:r="http://schemas.openxmlformats.org/officeDocument/2006/relationships" xmlns:p="http://schemas.openxmlformats.org/presentationml/2006/main">
   <p:cSld>
@@ -5604,6 +5637,117 @@
           <p:cNvPr id="2" name="标题 1">
             <a:extLst>
               <a:ext uri="{FF2B5EF4-FFF2-40B4-BE49-F238E27FC236}">
+                <a16:creationId xmlns:a16="http://schemas.microsoft.com/office/drawing/2014/main" id="{46C91215-57F4-C88D-5418-4D6DADF3A8F8}"/>
+              </a:ext>
+            </a:extLst>
+          </p:cNvPr>
+          <p:cNvSpPr>
+            <a:spLocks noGrp="1"/>
+          </p:cNvSpPr>
+          <p:nvPr>
+            <p:ph type="title"/>
+          </p:nvPr>
+        </p:nvSpPr>
+        <p:spPr/>
+        <p:txBody>
+          <a:bodyPr/>
+          <a:lstStyle/>
+          <a:p>
+            <a:r>
+              <a:rPr lang="zh-CN" altLang="en-US" dirty="0"/>
+              <a:t>选择题说明以及技巧：</a:t>
+            </a:r>
+          </a:p>
+        </p:txBody>
+      </p:sp>
+      <p:sp>
+        <p:nvSpPr>
+          <p:cNvPr id="3" name="内容占位符 2">
+            <a:extLst>
+              <a:ext uri="{FF2B5EF4-FFF2-40B4-BE49-F238E27FC236}">
+                <a16:creationId xmlns:a16="http://schemas.microsoft.com/office/drawing/2014/main" id="{4D387465-3F57-AC2A-EA12-3CFF64B4394F}"/>
+              </a:ext>
+            </a:extLst>
+          </p:cNvPr>
+          <p:cNvSpPr>
+            <a:spLocks noGrp="1"/>
+          </p:cNvSpPr>
+          <p:nvPr>
+            <p:ph idx="1"/>
+          </p:nvPr>
+        </p:nvSpPr>
+        <p:spPr/>
+        <p:txBody>
+          <a:bodyPr/>
+          <a:lstStyle/>
+          <a:p>
+            <a:r>
+              <a:rPr lang="zh-CN" altLang="en-US" dirty="0"/>
+              <a:t>说明文当中的选择题一般考察较为简单，以筛选信息为主。</a:t>
+            </a:r>
+            <a:endParaRPr lang="en-US" altLang="zh-CN" dirty="0"/>
+          </a:p>
+          <a:p>
+            <a:r>
+              <a:rPr lang="zh-CN" altLang="en-US" dirty="0"/>
+              <a:t>方法：细致读题，在文本中找到出处一一观察匹配即可</a:t>
+            </a:r>
+            <a:endParaRPr lang="en-US" altLang="zh-CN" dirty="0"/>
+          </a:p>
+          <a:p>
+            <a:endParaRPr lang="en-US" altLang="zh-CN" dirty="0"/>
+          </a:p>
+          <a:p>
+            <a:r>
+              <a:rPr lang="zh-CN" altLang="en-US" dirty="0"/>
+              <a:t>注意：太绝对的词语的出现，</a:t>
+            </a:r>
+            <a:r>
+              <a:rPr lang="en-US" altLang="zh-CN" dirty="0"/>
+              <a:t> 90%</a:t>
+            </a:r>
+            <a:r>
+              <a:rPr lang="zh-CN" altLang="en-US" dirty="0"/>
+              <a:t>本选项是错的</a:t>
+            </a:r>
+          </a:p>
+        </p:txBody>
+      </p:sp>
+    </p:spTree>
+    <p:extLst>
+      <p:ext uri="{BB962C8B-B14F-4D97-AF65-F5344CB8AC3E}">
+        <p14:creationId xmlns:p14="http://schemas.microsoft.com/office/powerpoint/2010/main" val="635836744"/>
+      </p:ext>
+    </p:extLst>
+  </p:cSld>
+  <p:clrMapOvr>
+    <a:masterClrMapping/>
+  </p:clrMapOvr>
+</p:sld>
+</file>
+
+<file path=ppt/slides/slide25.xml><?xml version="1.0" encoding="utf-8"?>
+<p:sld xmlns:a="http://schemas.openxmlformats.org/drawingml/2006/main" xmlns:r="http://schemas.openxmlformats.org/officeDocument/2006/relationships" xmlns:p="http://schemas.openxmlformats.org/presentationml/2006/main">
+  <p:cSld>
+    <p:spTree>
+      <p:nvGrpSpPr>
+        <p:cNvPr id="1" name=""/>
+        <p:cNvGrpSpPr/>
+        <p:nvPr/>
+      </p:nvGrpSpPr>
+      <p:grpSpPr>
+        <a:xfrm>
+          <a:off x="0" y="0"/>
+          <a:ext cx="0" cy="0"/>
+          <a:chOff x="0" y="0"/>
+          <a:chExt cx="0" cy="0"/>
+        </a:xfrm>
+      </p:grpSpPr>
+      <p:sp>
+        <p:nvSpPr>
+          <p:cNvPr id="2" name="标题 1">
+            <a:extLst>
+              <a:ext uri="{FF2B5EF4-FFF2-40B4-BE49-F238E27FC236}">
                 <a16:creationId xmlns:a16="http://schemas.microsoft.com/office/drawing/2014/main" id="{FCB1CA6E-39C0-4619-C244-274467B6DA2C}"/>
               </a:ext>
             </a:extLst>
@@ -5706,7 +5850,7 @@
 </p:sld>
 </file>
 
-<file path=ppt/slides/slide25.xml><?xml version="1.0" encoding="utf-8"?>
+<file path=ppt/slides/slide26.xml><?xml version="1.0" encoding="utf-8"?>
 <p:sld xmlns:a="http://schemas.openxmlformats.org/drawingml/2006/main" xmlns:r="http://schemas.openxmlformats.org/officeDocument/2006/relationships" xmlns:p="http://schemas.openxmlformats.org/presentationml/2006/main">
   <p:cSld>
     <p:spTree>
@@ -6070,7 +6214,7 @@
           <p:cNvPr id="2" name="标题 1">
             <a:extLst>
               <a:ext uri="{FF2B5EF4-FFF2-40B4-BE49-F238E27FC236}">
-                <a16:creationId xmlns:a16="http://schemas.microsoft.com/office/drawing/2014/main" id="{20724DD9-55A6-6B65-A60A-F72DB4CABBE0}"/>
+                <a16:creationId xmlns:a16="http://schemas.microsoft.com/office/drawing/2014/main" id="{DE575CCD-4F5B-E1B7-094B-467220406A2E}"/>
               </a:ext>
             </a:extLst>
           </p:cNvPr>
@@ -6083,155 +6227,137 @@
         </p:nvSpPr>
         <p:spPr/>
         <p:txBody>
-          <a:bodyPr/>
-          <a:lstStyle/>
-          <a:p>
-            <a:r>
-              <a:rPr lang="zh-CN" altLang="en-US" dirty="0"/>
-              <a:t>语文阅读学习误区</a:t>
-            </a:r>
-            <a:r>
-              <a:rPr lang="en-US" altLang="zh-CN" dirty="0"/>
-              <a:t>2-</a:t>
-            </a:r>
-            <a:r>
-              <a:rPr lang="zh-CN" altLang="en-US" dirty="0"/>
-              <a:t>关于刷题</a:t>
-            </a:r>
-          </a:p>
-        </p:txBody>
-      </p:sp>
-      <p:sp>
-        <p:nvSpPr>
-          <p:cNvPr id="3" name="内容占位符 2">
-            <a:extLst>
-              <a:ext uri="{FF2B5EF4-FFF2-40B4-BE49-F238E27FC236}">
-                <a16:creationId xmlns:a16="http://schemas.microsoft.com/office/drawing/2014/main" id="{8B260286-E3C3-1240-6701-AFE1A5298438}"/>
-              </a:ext>
-            </a:extLst>
-          </p:cNvPr>
-          <p:cNvSpPr>
-            <a:spLocks noGrp="1"/>
-          </p:cNvSpPr>
+          <a:bodyPr>
+            <a:normAutofit/>
+          </a:bodyPr>
+          <a:lstStyle/>
+          <a:p>
+            <a:r>
+              <a:rPr lang="zh-CN" altLang="en-US" sz="2800" dirty="0"/>
+              <a:t>例子：一个同学（高考</a:t>
+            </a:r>
+            <a:r>
+              <a:rPr lang="en-US" altLang="zh-CN" sz="2800" dirty="0"/>
+              <a:t>647-</a:t>
+            </a:r>
+            <a:r>
+              <a:rPr lang="zh-CN" altLang="en-US" sz="2800" dirty="0"/>
+              <a:t>山东大学）做过的练习题</a:t>
+            </a:r>
+          </a:p>
+        </p:txBody>
+      </p:sp>
+      <p:pic>
+        <p:nvPicPr>
+          <p:cNvPr id="5" name="内容占位符 4">
+            <a:extLst>
+              <a:ext uri="{FF2B5EF4-FFF2-40B4-BE49-F238E27FC236}">
+                <a16:creationId xmlns:a16="http://schemas.microsoft.com/office/drawing/2014/main" id="{85315D23-90E6-4F4F-53D8-AD5A3FB84700}"/>
+              </a:ext>
+            </a:extLst>
+          </p:cNvPr>
+          <p:cNvPicPr>
+            <a:picLocks noGrp="1" noChangeAspect="1"/>
+          </p:cNvPicPr>
           <p:nvPr>
             <p:ph idx="1"/>
           </p:nvPr>
-        </p:nvSpPr>
+        </p:nvPicPr>
+        <p:blipFill>
+          <a:blip r:embed="rId2">
+            <a:extLst>
+              <a:ext uri="{28A0092B-C50C-407E-A947-70E740481C1C}">
+                <a14:useLocalDpi xmlns:a14="http://schemas.microsoft.com/office/drawing/2010/main" val="0"/>
+              </a:ext>
+            </a:extLst>
+          </a:blip>
+          <a:stretch>
+            <a:fillRect/>
+          </a:stretch>
+        </p:blipFill>
         <p:spPr>
           <a:xfrm>
-            <a:off x="838200" y="1825624"/>
-            <a:ext cx="10515600" cy="4790835"/>
+            <a:off x="609759" y="1627217"/>
+            <a:ext cx="4009188" cy="3393357"/>
           </a:xfrm>
         </p:spPr>
-        <p:txBody>
-          <a:bodyPr>
-            <a:normAutofit fontScale="92500" lnSpcReduction="20000"/>
-          </a:bodyPr>
-          <a:lstStyle/>
-          <a:p>
-            <a:pPr algn="l"/>
-            <a:r>
-              <a:rPr lang="zh-CN" altLang="en-US" b="0" i="0" dirty="0">
-                <a:effectLst/>
-                <a:latin typeface="STZhongsong" panose="02010600040101010101" pitchFamily="2" charset="-122"/>
-                <a:ea typeface="STZhongsong" panose="02010600040101010101" pitchFamily="2" charset="-122"/>
-              </a:rPr>
-              <a:t>一场语文考试的失利，绝不只是扎实基础，注意审题、多做积累这些空洞的话语所能安慰的，有些同学面对试卷时就是一筹莫展；有些同学信心满满却到处失分；有些同学回答的路径都是正确的，进入文本分析后却处处受阻；有些同学明明读懂了文本却没能掌握答题的技巧</a:t>
-            </a:r>
-            <a:r>
-              <a:rPr lang="en-US" altLang="zh-CN" b="0" i="0" dirty="0">
-                <a:effectLst/>
-                <a:latin typeface="STZhongsong" panose="02010600040101010101" pitchFamily="2" charset="-122"/>
-                <a:ea typeface="STZhongsong" panose="02010600040101010101" pitchFamily="2" charset="-122"/>
-              </a:rPr>
-              <a:t>……</a:t>
-            </a:r>
-          </a:p>
-          <a:p>
-            <a:pPr algn="l"/>
-            <a:r>
-              <a:rPr lang="zh-CN" altLang="en-US" b="0" i="0" dirty="0">
-                <a:effectLst/>
-                <a:latin typeface="STZhongsong" panose="02010600040101010101" pitchFamily="2" charset="-122"/>
-                <a:ea typeface="STZhongsong" panose="02010600040101010101" pitchFamily="2" charset="-122"/>
-              </a:rPr>
-              <a:t>但无一例外，他们的考后都下定决心，要开始刷题！</a:t>
-            </a:r>
-          </a:p>
-          <a:p>
-            <a:pPr algn="l"/>
-            <a:r>
-              <a:rPr lang="zh-CN" altLang="en-US" b="0" i="0" dirty="0">
-                <a:effectLst/>
-                <a:latin typeface="STZhongsong" panose="02010600040101010101" pitchFamily="2" charset="-122"/>
-                <a:ea typeface="STZhongsong" panose="02010600040101010101" pitchFamily="2" charset="-122"/>
-              </a:rPr>
-              <a:t>课堂上也常常看到埋头刷题的学生，有时候，他们甚至会觉得刷题甚过听课，特别是语文，大部分的题目和文章其实大家都读得懂，老师说的可能都是正确的废话，就算大而化之地总结出个子丑寅卯来，也很难在实践中施展出来。</a:t>
-            </a:r>
-          </a:p>
-          <a:p>
-            <a:pPr algn="l"/>
-            <a:r>
-              <a:rPr lang="zh-CN" altLang="en-US" b="0" i="0" dirty="0">
-                <a:effectLst/>
-                <a:latin typeface="STZhongsong" panose="02010600040101010101" pitchFamily="2" charset="-122"/>
-                <a:ea typeface="STZhongsong" panose="02010600040101010101" pitchFamily="2" charset="-122"/>
-              </a:rPr>
-              <a:t>在我看来，不管是听课还是刷题，都是提升的路径，殊途同归：</a:t>
-            </a:r>
-            <a:r>
-              <a:rPr lang="zh-CN" altLang="en-US" b="0" i="0" dirty="0">
-                <a:solidFill>
-                  <a:srgbClr val="A65BCB"/>
-                </a:solidFill>
-                <a:effectLst/>
-                <a:latin typeface="STZhongsong" panose="02010600040101010101" pitchFamily="2" charset="-122"/>
-                <a:ea typeface="STZhongsong" panose="02010600040101010101" pitchFamily="2" charset="-122"/>
-              </a:rPr>
-              <a:t>听课是学习别人的思考路径，进而养成自己的思维范式；刷题是跳下水去自己想，逼迫自己积累经验，主动形成各类思维范式。这中间，最重要的不是途径或形式，而是想问题本身！</a:t>
-            </a:r>
-            <a:endParaRPr lang="zh-CN" altLang="en-US" b="0" i="0" dirty="0">
-              <a:effectLst/>
-              <a:latin typeface="STZhongsong" panose="02010600040101010101" pitchFamily="2" charset="-122"/>
-              <a:ea typeface="STZhongsong" panose="02010600040101010101" pitchFamily="2" charset="-122"/>
-            </a:endParaRPr>
-          </a:p>
-          <a:p>
-            <a:pPr algn="l"/>
-            <a:r>
-              <a:rPr lang="zh-CN" altLang="en-US" b="0" i="0" dirty="0">
-                <a:effectLst/>
-                <a:latin typeface="STZhongsong" panose="02010600040101010101" pitchFamily="2" charset="-122"/>
-                <a:ea typeface="STZhongsong" panose="02010600040101010101" pitchFamily="2" charset="-122"/>
-              </a:rPr>
-              <a:t>所以：</a:t>
-            </a:r>
-            <a:r>
-              <a:rPr lang="zh-CN" altLang="en-US" b="1" i="0" dirty="0">
-                <a:solidFill>
-                  <a:srgbClr val="F96E57"/>
-                </a:solidFill>
-                <a:effectLst/>
-                <a:latin typeface="STZhongsong" panose="02010600040101010101" pitchFamily="2" charset="-122"/>
-                <a:ea typeface="STZhongsong" panose="02010600040101010101" pitchFamily="2" charset="-122"/>
-              </a:rPr>
-              <a:t>听课，要沉下心来听！刷题，要带着脑子刷！</a:t>
-            </a:r>
-            <a:endParaRPr lang="zh-CN" altLang="en-US" b="0" i="0" dirty="0">
-              <a:effectLst/>
-              <a:latin typeface="STZhongsong" panose="02010600040101010101" pitchFamily="2" charset="-122"/>
-              <a:ea typeface="STZhongsong" panose="02010600040101010101" pitchFamily="2" charset="-122"/>
-            </a:endParaRPr>
-          </a:p>
-          <a:p>
-            <a:endParaRPr lang="zh-CN" altLang="en-US" dirty="0"/>
-          </a:p>
-        </p:txBody>
-      </p:sp>
+      </p:pic>
+      <p:pic>
+        <p:nvPicPr>
+          <p:cNvPr id="7" name="图片 6">
+            <a:extLst>
+              <a:ext uri="{FF2B5EF4-FFF2-40B4-BE49-F238E27FC236}">
+                <a16:creationId xmlns:a16="http://schemas.microsoft.com/office/drawing/2014/main" id="{705B8D35-8D0D-A7F5-CCE9-B7CC4FECBA09}"/>
+              </a:ext>
+            </a:extLst>
+          </p:cNvPr>
+          <p:cNvPicPr>
+            <a:picLocks noChangeAspect="1"/>
+          </p:cNvPicPr>
+          <p:nvPr/>
+        </p:nvPicPr>
+        <p:blipFill>
+          <a:blip r:embed="rId3">
+            <a:extLst>
+              <a:ext uri="{28A0092B-C50C-407E-A947-70E740481C1C}">
+                <a14:useLocalDpi xmlns:a14="http://schemas.microsoft.com/office/drawing/2010/main" val="0"/>
+              </a:ext>
+            </a:extLst>
+          </a:blip>
+          <a:stretch>
+            <a:fillRect/>
+          </a:stretch>
+        </p:blipFill>
+        <p:spPr>
+          <a:xfrm>
+            <a:off x="4679304" y="1466492"/>
+            <a:ext cx="3526047" cy="4701396"/>
+          </a:xfrm>
+          <a:prstGeom prst="rect">
+            <a:avLst/>
+          </a:prstGeom>
+        </p:spPr>
+      </p:pic>
+      <p:pic>
+        <p:nvPicPr>
+          <p:cNvPr id="9" name="图片 8">
+            <a:extLst>
+              <a:ext uri="{FF2B5EF4-FFF2-40B4-BE49-F238E27FC236}">
+                <a16:creationId xmlns:a16="http://schemas.microsoft.com/office/drawing/2014/main" id="{20E00DF1-4542-58F2-82D7-3BD5AE827B5D}"/>
+              </a:ext>
+            </a:extLst>
+          </p:cNvPr>
+          <p:cNvPicPr>
+            <a:picLocks noChangeAspect="1"/>
+          </p:cNvPicPr>
+          <p:nvPr/>
+        </p:nvPicPr>
+        <p:blipFill>
+          <a:blip r:embed="rId4">
+            <a:extLst>
+              <a:ext uri="{28A0092B-C50C-407E-A947-70E740481C1C}">
+                <a14:useLocalDpi xmlns:a14="http://schemas.microsoft.com/office/drawing/2010/main" val="0"/>
+              </a:ext>
+            </a:extLst>
+          </a:blip>
+          <a:stretch>
+            <a:fillRect/>
+          </a:stretch>
+        </p:blipFill>
+        <p:spPr>
+          <a:xfrm>
+            <a:off x="8265708" y="1466492"/>
+            <a:ext cx="3526047" cy="4701395"/>
+          </a:xfrm>
+          <a:prstGeom prst="rect">
+            <a:avLst/>
+          </a:prstGeom>
+        </p:spPr>
+      </p:pic>
     </p:spTree>
     <p:extLst>
       <p:ext uri="{BB962C8B-B14F-4D97-AF65-F5344CB8AC3E}">
-        <p14:creationId xmlns:p14="http://schemas.microsoft.com/office/powerpoint/2010/main" val="3040348331"/>
+        <p14:creationId xmlns:p14="http://schemas.microsoft.com/office/powerpoint/2010/main" val="530199728"/>
       </p:ext>
     </p:extLst>
   </p:cSld>
@@ -6263,7 +6389,7 @@
           <p:cNvPr id="2" name="标题 1">
             <a:extLst>
               <a:ext uri="{FF2B5EF4-FFF2-40B4-BE49-F238E27FC236}">
-                <a16:creationId xmlns:a16="http://schemas.microsoft.com/office/drawing/2014/main" id="{1F7902AA-6D02-284C-0733-130532E60A02}"/>
+                <a16:creationId xmlns:a16="http://schemas.microsoft.com/office/drawing/2014/main" id="{20724DD9-55A6-6B65-A60A-F72DB4CABBE0}"/>
               </a:ext>
             </a:extLst>
           </p:cNvPr>
@@ -6281,7 +6407,15 @@
           <a:p>
             <a:r>
               <a:rPr lang="zh-CN" altLang="en-US" dirty="0"/>
-              <a:t>语文学习的简便运算：</a:t>
+              <a:t>语文阅读学习误区</a:t>
+            </a:r>
+            <a:r>
+              <a:rPr lang="en-US" altLang="zh-CN" dirty="0"/>
+              <a:t>2-</a:t>
+            </a:r>
+            <a:r>
+              <a:rPr lang="zh-CN" altLang="en-US" dirty="0"/>
+              <a:t>关于刷题</a:t>
             </a:r>
           </a:p>
         </p:txBody>
@@ -6291,7 +6425,7 @@
           <p:cNvPr id="3" name="内容占位符 2">
             <a:extLst>
               <a:ext uri="{FF2B5EF4-FFF2-40B4-BE49-F238E27FC236}">
-                <a16:creationId xmlns:a16="http://schemas.microsoft.com/office/drawing/2014/main" id="{F6AE4ADD-26F4-6F10-E17B-36A88DC74D4B}"/>
+                <a16:creationId xmlns:a16="http://schemas.microsoft.com/office/drawing/2014/main" id="{8B260286-E3C3-1240-6701-AFE1A5298438}"/>
               </a:ext>
             </a:extLst>
           </p:cNvPr>
@@ -6304,84 +6438,119 @@
         </p:nvSpPr>
         <p:spPr>
           <a:xfrm>
-            <a:off x="838200" y="1825625"/>
-            <a:ext cx="10515600" cy="4730450"/>
+            <a:off x="838200" y="1825624"/>
+            <a:ext cx="10515600" cy="4790835"/>
           </a:xfrm>
         </p:spPr>
         <p:txBody>
           <a:bodyPr>
-            <a:normAutofit lnSpcReduction="10000"/>
+            <a:normAutofit fontScale="92500" lnSpcReduction="20000"/>
           </a:bodyPr>
           <a:lstStyle/>
           <a:p>
-            <a:r>
-              <a:rPr lang="en-US" altLang="zh-CN" b="1" i="0" dirty="0">
+            <a:pPr algn="l"/>
+            <a:r>
+              <a:rPr lang="zh-CN" altLang="en-US" b="0" i="0" dirty="0">
+                <a:effectLst/>
+                <a:latin typeface="STZhongsong" panose="02010600040101010101" pitchFamily="2" charset="-122"/>
+                <a:ea typeface="STZhongsong" panose="02010600040101010101" pitchFamily="2" charset="-122"/>
+              </a:rPr>
+              <a:t>一场语文考试的失利，绝不只是扎实基础，注意审题、多做积累这些空洞的话语所能安慰的，有些同学面对试卷时就是一筹莫展；有些同学信心满满却到处失分；有些同学回答的路径都是正确的，进入文本分析后却处处受阻；有些同学明明读懂了文本却没能掌握答题的技巧</a:t>
+            </a:r>
+            <a:r>
+              <a:rPr lang="en-US" altLang="zh-CN" b="0" i="0" dirty="0">
+                <a:effectLst/>
+                <a:latin typeface="STZhongsong" panose="02010600040101010101" pitchFamily="2" charset="-122"/>
+                <a:ea typeface="STZhongsong" panose="02010600040101010101" pitchFamily="2" charset="-122"/>
+              </a:rPr>
+              <a:t>……</a:t>
+            </a:r>
+          </a:p>
+          <a:p>
+            <a:pPr algn="l"/>
+            <a:r>
+              <a:rPr lang="zh-CN" altLang="en-US" b="0" i="0" dirty="0">
+                <a:effectLst/>
+                <a:latin typeface="STZhongsong" panose="02010600040101010101" pitchFamily="2" charset="-122"/>
+                <a:ea typeface="STZhongsong" panose="02010600040101010101" pitchFamily="2" charset="-122"/>
+              </a:rPr>
+              <a:t>但无一例外，他们的考后都下定决心，要开始刷题！</a:t>
+            </a:r>
+          </a:p>
+          <a:p>
+            <a:pPr algn="l"/>
+            <a:r>
+              <a:rPr lang="zh-CN" altLang="en-US" b="0" i="0" dirty="0">
+                <a:effectLst/>
+                <a:latin typeface="STZhongsong" panose="02010600040101010101" pitchFamily="2" charset="-122"/>
+                <a:ea typeface="STZhongsong" panose="02010600040101010101" pitchFamily="2" charset="-122"/>
+              </a:rPr>
+              <a:t>课堂上也常常看到埋头刷题的学生，有时候，他们甚至会觉得刷题甚过听课，特别是语文，大部分的题目和文章其实大家都读得懂，老师说的可能都是正确的废话，就算大而化之地总结出个子丑寅卯来，也很难在实践中施展出来。</a:t>
+            </a:r>
+          </a:p>
+          <a:p>
+            <a:pPr algn="l"/>
+            <a:r>
+              <a:rPr lang="zh-CN" altLang="en-US" b="0" i="0" dirty="0">
+                <a:effectLst/>
+                <a:latin typeface="STZhongsong" panose="02010600040101010101" pitchFamily="2" charset="-122"/>
+                <a:ea typeface="STZhongsong" panose="02010600040101010101" pitchFamily="2" charset="-122"/>
+              </a:rPr>
+              <a:t>在我看来，不管是听课还是刷题，都是提升的路径，殊途同归：</a:t>
+            </a:r>
+            <a:r>
+              <a:rPr lang="zh-CN" altLang="en-US" b="0" i="0" dirty="0">
                 <a:solidFill>
-                  <a:srgbClr val="7030A0"/>
+                  <a:srgbClr val="A65BCB"/>
                 </a:solidFill>
                 <a:effectLst/>
-                <a:latin typeface="微软雅黑" panose="020B0503020204020204" pitchFamily="34" charset="-122"/>
-                <a:ea typeface="微软雅黑" panose="020B0503020204020204" pitchFamily="34" charset="-122"/>
-              </a:rPr>
-              <a:t>1</a:t>
+                <a:latin typeface="STZhongsong" panose="02010600040101010101" pitchFamily="2" charset="-122"/>
+                <a:ea typeface="STZhongsong" panose="02010600040101010101" pitchFamily="2" charset="-122"/>
+              </a:rPr>
+              <a:t>听课是学习别人的思考路径，进而养成自己的思维范式；刷题是跳下水去自己想，逼迫自己积累经验，主动形成各类思维范式。这中间，最重要的不是途径或形式，而是想问题本身！</a:t>
+            </a:r>
+            <a:endParaRPr lang="zh-CN" altLang="en-US" b="0" i="0" dirty="0">
+              <a:effectLst/>
+              <a:latin typeface="STZhongsong" panose="02010600040101010101" pitchFamily="2" charset="-122"/>
+              <a:ea typeface="STZhongsong" panose="02010600040101010101" pitchFamily="2" charset="-122"/>
+            </a:endParaRPr>
+          </a:p>
+          <a:p>
+            <a:pPr algn="l"/>
+            <a:r>
+              <a:rPr lang="zh-CN" altLang="en-US" b="0" i="0" dirty="0">
+                <a:effectLst/>
+                <a:latin typeface="STZhongsong" panose="02010600040101010101" pitchFamily="2" charset="-122"/>
+                <a:ea typeface="STZhongsong" panose="02010600040101010101" pitchFamily="2" charset="-122"/>
+              </a:rPr>
+              <a:t>所以：</a:t>
             </a:r>
             <a:r>
               <a:rPr lang="zh-CN" altLang="en-US" b="1" i="0" dirty="0">
                 <a:solidFill>
-                  <a:srgbClr val="7030A0"/>
+                  <a:srgbClr val="F96E57"/>
                 </a:solidFill>
                 <a:effectLst/>
-                <a:latin typeface="微软雅黑" panose="020B0503020204020204" pitchFamily="34" charset="-122"/>
-                <a:ea typeface="微软雅黑" panose="020B0503020204020204" pitchFamily="34" charset="-122"/>
-              </a:rPr>
-              <a:t>．从题目入手是一种简便运算。</a:t>
-            </a:r>
-            <a:r>
-              <a:rPr lang="zh-CN" altLang="en-US" b="0" i="0" dirty="0">
-                <a:effectLst/>
-                <a:latin typeface="system-ui"/>
-              </a:rPr>
-              <a:t>把一篇文章细细掰碎，得到多种的知识，感知多层的思想，锻炼多元的能力，有一个整体的理解固然是对的，但更重要的是题目要什么，我便去找什么。</a:t>
-            </a:r>
-            <a:endParaRPr lang="en-US" altLang="zh-CN" b="0" i="0" dirty="0">
+                <a:latin typeface="STZhongsong" panose="02010600040101010101" pitchFamily="2" charset="-122"/>
+                <a:ea typeface="STZhongsong" panose="02010600040101010101" pitchFamily="2" charset="-122"/>
+              </a:rPr>
+              <a:t>听课，要沉下心来听！刷题，要带着脑子刷！</a:t>
+            </a:r>
+            <a:endParaRPr lang="zh-CN" altLang="en-US" b="0" i="0" dirty="0">
               <a:effectLst/>
-              <a:latin typeface="system-ui"/>
+              <a:latin typeface="STZhongsong" panose="02010600040101010101" pitchFamily="2" charset="-122"/>
+              <a:ea typeface="STZhongsong" panose="02010600040101010101" pitchFamily="2" charset="-122"/>
             </a:endParaRPr>
           </a:p>
           <a:p>
-            <a:r>
-              <a:rPr lang="en-US" altLang="zh-CN" b="1" dirty="0">
-                <a:solidFill>
-                  <a:srgbClr val="7030A0"/>
-                </a:solidFill>
-                <a:effectLst/>
-                <a:latin typeface="微软雅黑" panose="020B0503020204020204" pitchFamily="34" charset="-122"/>
-                <a:ea typeface="微软雅黑" panose="020B0503020204020204" pitchFamily="34" charset="-122"/>
-              </a:rPr>
-              <a:t>2.</a:t>
-            </a:r>
-            <a:r>
-              <a:rPr lang="zh-CN" altLang="en-US" b="1" dirty="0">
-                <a:solidFill>
-                  <a:srgbClr val="7030A0"/>
-                </a:solidFill>
-                <a:effectLst/>
-                <a:latin typeface="微软雅黑" panose="020B0503020204020204" pitchFamily="34" charset="-122"/>
-                <a:ea typeface="微软雅黑" panose="020B0503020204020204" pitchFamily="34" charset="-122"/>
-              </a:rPr>
-              <a:t>掌握公式是一种简便运算。</a:t>
-            </a:r>
-            <a:r>
-              <a:rPr lang="zh-CN" altLang="en-US" dirty="0"/>
-              <a:t>有些人觉得把握一篇小说的主题比较玄乎。不知道从哪里说起，总也觉得自己说不准。有没有简单的思考路径呢？显然也是有的。设想一下：一个作家要开始表达自己的思想感情，对社会现实的情绪和感受了，那他是不是得设计个人物出来为自己代言？是不是得给他准备点环境，制造点故事最终才能传达出自己的想法？反过来说，设计的人物不一样，环境不一样，想表达的东西自然是不同的。那么我们从作家设计的人物、情节、环境以及他们的特点去反向推测一下，是不是能更准确地把握到作者的想法？</a:t>
-            </a:r>
+            <a:endParaRPr lang="zh-CN" altLang="en-US" dirty="0"/>
           </a:p>
         </p:txBody>
       </p:sp>
     </p:spTree>
     <p:extLst>
       <p:ext uri="{BB962C8B-B14F-4D97-AF65-F5344CB8AC3E}">
-        <p14:creationId xmlns:p14="http://schemas.microsoft.com/office/powerpoint/2010/main" val="2844790805"/>
+        <p14:creationId xmlns:p14="http://schemas.microsoft.com/office/powerpoint/2010/main" val="3040348331"/>
       </p:ext>
     </p:extLst>
   </p:cSld>
@@ -6413,7 +6582,7 @@
           <p:cNvPr id="2" name="标题 1">
             <a:extLst>
               <a:ext uri="{FF2B5EF4-FFF2-40B4-BE49-F238E27FC236}">
-                <a16:creationId xmlns:a16="http://schemas.microsoft.com/office/drawing/2014/main" id="{6EDA2419-264A-D034-CDBF-01E4EE299666}"/>
+                <a16:creationId xmlns:a16="http://schemas.microsoft.com/office/drawing/2014/main" id="{1F7902AA-6D02-284C-0733-130532E60A02}"/>
               </a:ext>
             </a:extLst>
           </p:cNvPr>
@@ -6430,8 +6599,12 @@
           <a:lstStyle/>
           <a:p>
             <a:r>
+              <a:rPr lang="zh-CN" altLang="en-US"/>
+              <a:t>语文做题的</a:t>
+            </a:r>
+            <a:r>
               <a:rPr lang="zh-CN" altLang="en-US" dirty="0"/>
-              <a:t>如何做题</a:t>
+              <a:t>简便运算：</a:t>
             </a:r>
           </a:p>
         </p:txBody>
@@ -6441,7 +6614,7 @@
           <p:cNvPr id="3" name="内容占位符 2">
             <a:extLst>
               <a:ext uri="{FF2B5EF4-FFF2-40B4-BE49-F238E27FC236}">
-                <a16:creationId xmlns:a16="http://schemas.microsoft.com/office/drawing/2014/main" id="{1AF57E38-72B9-26AB-520D-B2BA2D8DE846}"/>
+                <a16:creationId xmlns:a16="http://schemas.microsoft.com/office/drawing/2014/main" id="{F6AE4ADD-26F4-6F10-E17B-36A88DC74D4B}"/>
               </a:ext>
             </a:extLst>
           </p:cNvPr>
@@ -6455,105 +6628,83 @@
         <p:spPr>
           <a:xfrm>
             <a:off x="838200" y="1825625"/>
-            <a:ext cx="10515600" cy="934828"/>
+            <a:ext cx="10515600" cy="4730450"/>
           </a:xfrm>
         </p:spPr>
         <p:txBody>
-          <a:bodyPr/>
-          <a:lstStyle/>
-          <a:p>
+          <a:bodyPr>
+            <a:normAutofit lnSpcReduction="10000"/>
+          </a:bodyPr>
+          <a:lstStyle/>
+          <a:p>
+            <a:r>
+              <a:rPr lang="en-US" altLang="zh-CN" b="1" i="0" dirty="0">
+                <a:solidFill>
+                  <a:srgbClr val="7030A0"/>
+                </a:solidFill>
+                <a:effectLst/>
+                <a:latin typeface="微软雅黑" panose="020B0503020204020204" pitchFamily="34" charset="-122"/>
+                <a:ea typeface="微软雅黑" panose="020B0503020204020204" pitchFamily="34" charset="-122"/>
+              </a:rPr>
+              <a:t>1</a:t>
+            </a:r>
             <a:r>
               <a:rPr lang="zh-CN" altLang="en-US" b="1" i="0" dirty="0">
                 <a:solidFill>
-                  <a:srgbClr val="0000FF"/>
+                  <a:srgbClr val="7030A0"/>
                 </a:solidFill>
                 <a:effectLst/>
-                <a:latin typeface="STZhongsong" panose="02010600040101010101" pitchFamily="2" charset="-122"/>
-                <a:ea typeface="STZhongsong" panose="02010600040101010101" pitchFamily="2" charset="-122"/>
-              </a:rPr>
-              <a:t>必要的知识储备</a:t>
-            </a:r>
-            <a:r>
-              <a:rPr lang="en-US" altLang="zh-CN" b="1" i="0" dirty="0">
+                <a:latin typeface="微软雅黑" panose="020B0503020204020204" pitchFamily="34" charset="-122"/>
+                <a:ea typeface="微软雅黑" panose="020B0503020204020204" pitchFamily="34" charset="-122"/>
+              </a:rPr>
+              <a:t>．从题目入手是一种简便运算。</a:t>
+            </a:r>
+            <a:r>
+              <a:rPr lang="zh-CN" altLang="en-US" b="0" i="0" dirty="0">
+                <a:effectLst/>
+                <a:latin typeface="system-ui"/>
+              </a:rPr>
+              <a:t>把一篇文章细细掰碎，得到多种的知识，感知多层的思想，锻炼多元的能力，有一个整体的理解固然是对的，但更重要的是题目要什么，我便去找什么。</a:t>
+            </a:r>
+            <a:endParaRPr lang="en-US" altLang="zh-CN" b="0" i="0" dirty="0">
+              <a:effectLst/>
+              <a:latin typeface="system-ui"/>
+            </a:endParaRPr>
+          </a:p>
+          <a:p>
+            <a:r>
+              <a:rPr lang="en-US" altLang="zh-CN" b="1" dirty="0">
                 <a:solidFill>
-                  <a:srgbClr val="0000FF"/>
+                  <a:srgbClr val="7030A0"/>
                 </a:solidFill>
                 <a:effectLst/>
-                <a:latin typeface="STZhongsong" panose="02010600040101010101" pitchFamily="2" charset="-122"/>
-                <a:ea typeface="STZhongsong" panose="02010600040101010101" pitchFamily="2" charset="-122"/>
-              </a:rPr>
-              <a:t>+</a:t>
-            </a:r>
-            <a:r>
-              <a:rPr lang="zh-CN" altLang="en-US" b="1" i="0" dirty="0">
+                <a:latin typeface="微软雅黑" panose="020B0503020204020204" pitchFamily="34" charset="-122"/>
+                <a:ea typeface="微软雅黑" panose="020B0503020204020204" pitchFamily="34" charset="-122"/>
+              </a:rPr>
+              <a:t>2.</a:t>
+            </a:r>
+            <a:r>
+              <a:rPr lang="zh-CN" altLang="en-US" b="1" dirty="0">
                 <a:solidFill>
-                  <a:srgbClr val="0000FF"/>
+                  <a:srgbClr val="7030A0"/>
                 </a:solidFill>
                 <a:effectLst/>
-                <a:latin typeface="STZhongsong" panose="02010600040101010101" pitchFamily="2" charset="-122"/>
-                <a:ea typeface="STZhongsong" panose="02010600040101010101" pitchFamily="2" charset="-122"/>
-              </a:rPr>
-              <a:t>阅读能力（审题、读文）</a:t>
-            </a:r>
-            <a:r>
-              <a:rPr lang="en-US" altLang="zh-CN" b="1" i="0" dirty="0">
-                <a:solidFill>
-                  <a:srgbClr val="0000FF"/>
-                </a:solidFill>
-                <a:effectLst/>
-                <a:latin typeface="STZhongsong" panose="02010600040101010101" pitchFamily="2" charset="-122"/>
-                <a:ea typeface="STZhongsong" panose="02010600040101010101" pitchFamily="2" charset="-122"/>
-              </a:rPr>
-              <a:t>+</a:t>
-            </a:r>
-            <a:r>
-              <a:rPr lang="zh-CN" altLang="en-US" b="1" i="0" dirty="0">
-                <a:solidFill>
-                  <a:srgbClr val="0000FF"/>
-                </a:solidFill>
-                <a:effectLst/>
-                <a:latin typeface="STZhongsong" panose="02010600040101010101" pitchFamily="2" charset="-122"/>
-                <a:ea typeface="STZhongsong" panose="02010600040101010101" pitchFamily="2" charset="-122"/>
-              </a:rPr>
-              <a:t>表达能力（整合概括）</a:t>
-            </a:r>
-            <a:r>
-              <a:rPr lang="en-US" altLang="zh-CN" b="1" i="0" dirty="0">
-                <a:solidFill>
-                  <a:srgbClr val="0000FF"/>
-                </a:solidFill>
-                <a:effectLst/>
-                <a:latin typeface="STZhongsong" panose="02010600040101010101" pitchFamily="2" charset="-122"/>
-                <a:ea typeface="STZhongsong" panose="02010600040101010101" pitchFamily="2" charset="-122"/>
-              </a:rPr>
-              <a:t>+</a:t>
-            </a:r>
-            <a:r>
-              <a:rPr lang="zh-CN" altLang="en-US" b="1" i="0" dirty="0">
-                <a:solidFill>
-                  <a:srgbClr val="0000FF"/>
-                </a:solidFill>
-                <a:effectLst/>
-                <a:latin typeface="STZhongsong" panose="02010600040101010101" pitchFamily="2" charset="-122"/>
-                <a:ea typeface="STZhongsong" panose="02010600040101010101" pitchFamily="2" charset="-122"/>
-              </a:rPr>
-              <a:t>答题策略（思维路径）</a:t>
-            </a:r>
-            <a:endParaRPr lang="en-US" altLang="zh-CN" b="1" i="0" dirty="0">
-              <a:solidFill>
-                <a:srgbClr val="0000FF"/>
-              </a:solidFill>
-              <a:effectLst/>
-              <a:latin typeface="STZhongsong" panose="02010600040101010101" pitchFamily="2" charset="-122"/>
-              <a:ea typeface="STZhongsong" panose="02010600040101010101" pitchFamily="2" charset="-122"/>
-            </a:endParaRPr>
+                <a:latin typeface="微软雅黑" panose="020B0503020204020204" pitchFamily="34" charset="-122"/>
+                <a:ea typeface="微软雅黑" panose="020B0503020204020204" pitchFamily="34" charset="-122"/>
+              </a:rPr>
+              <a:t>掌握公式是一种简便运算。</a:t>
+            </a:r>
+            <a:r>
+              <a:rPr lang="zh-CN" altLang="en-US" dirty="0"/>
+              <a:t>有些人觉得把握一篇小说的主题比较玄乎。不知道从哪里说起，总也觉得自己说不准。有没有简单的思考路径呢？显然也是有的。设想一下：一个作家要开始表达自己的思想感情，对社会现实的情绪和感受了，那他是不是得设计个人物出来为自己代言？是不是得给他准备点环境，制造点故事最终才能传达出自己的想法？反过来说，设计的人物不一样，环境不一样，想表达的东西自然是不同的。那么我们从作家设计的人物、情节、环境以及他们的特点去反向推测一下，是不是能更准确地把握到作者的想法？</a:t>
+            </a:r>
           </a:p>
         </p:txBody>
       </p:sp>
     </p:spTree>
     <p:extLst>
       <p:ext uri="{BB962C8B-B14F-4D97-AF65-F5344CB8AC3E}">
-        <p14:creationId xmlns:p14="http://schemas.microsoft.com/office/powerpoint/2010/main" val="2692030695"/>
+        <p14:creationId xmlns:p14="http://schemas.microsoft.com/office/powerpoint/2010/main" val="2844790805"/>
       </p:ext>
     </p:extLst>
   </p:cSld>
@@ -6585,7 +6736,7 @@
           <p:cNvPr id="2" name="标题 1">
             <a:extLst>
               <a:ext uri="{FF2B5EF4-FFF2-40B4-BE49-F238E27FC236}">
-                <a16:creationId xmlns:a16="http://schemas.microsoft.com/office/drawing/2014/main" id="{75F1BB6B-66FB-FCDE-BCAE-F7B23ABE39D5}"/>
+                <a16:creationId xmlns:a16="http://schemas.microsoft.com/office/drawing/2014/main" id="{6EDA2419-264A-D034-CDBF-01E4EE299666}"/>
               </a:ext>
             </a:extLst>
           </p:cNvPr>
@@ -6603,7 +6754,7 @@
           <a:p>
             <a:r>
               <a:rPr lang="zh-CN" altLang="en-US" dirty="0"/>
-              <a:t>提醒：</a:t>
+              <a:t>如何做题</a:t>
             </a:r>
           </a:p>
         </p:txBody>
@@ -6613,7 +6764,7 @@
           <p:cNvPr id="3" name="内容占位符 2">
             <a:extLst>
               <a:ext uri="{FF2B5EF4-FFF2-40B4-BE49-F238E27FC236}">
-                <a16:creationId xmlns:a16="http://schemas.microsoft.com/office/drawing/2014/main" id="{41430C41-D778-B294-153E-8D738BA89161}"/>
+                <a16:creationId xmlns:a16="http://schemas.microsoft.com/office/drawing/2014/main" id="{1AF57E38-72B9-26AB-520D-B2BA2D8DE846}"/>
               </a:ext>
             </a:extLst>
           </p:cNvPr>
@@ -6624,84 +6775,108 @@
             <p:ph idx="1"/>
           </p:nvPr>
         </p:nvSpPr>
-        <p:spPr/>
-        <p:txBody>
-          <a:bodyPr/>
-          <a:lstStyle/>
-          <a:p>
-            <a:r>
-              <a:rPr lang="zh-CN" altLang="en-US" dirty="0"/>
-              <a:t>课程难度会略大于初一难度</a:t>
-            </a:r>
-            <a:endParaRPr lang="en-US" altLang="zh-CN" dirty="0"/>
-          </a:p>
-          <a:p>
-            <a:r>
-              <a:rPr lang="zh-CN" altLang="en-US" dirty="0"/>
-              <a:t>基础题型：没有捷径可言，主要就靠记和背，认真订正，做好</a:t>
-            </a:r>
-            <a:r>
-              <a:rPr lang="zh-CN" altLang="en-US" dirty="0">
-                <a:highlight>
-                  <a:srgbClr val="FFFF00"/>
-                </a:highlight>
-              </a:rPr>
-              <a:t>充足的积累</a:t>
-            </a:r>
-            <a:endParaRPr lang="en-US" altLang="zh-CN" dirty="0">
-              <a:highlight>
-                <a:srgbClr val="FFFF00"/>
-              </a:highlight>
+        <p:spPr>
+          <a:xfrm>
+            <a:off x="838200" y="1825625"/>
+            <a:ext cx="10515600" cy="934828"/>
+          </a:xfrm>
+        </p:spPr>
+        <p:txBody>
+          <a:bodyPr/>
+          <a:lstStyle/>
+          <a:p>
+            <a:r>
+              <a:rPr lang="zh-CN" altLang="en-US" b="1" i="0" dirty="0">
+                <a:solidFill>
+                  <a:srgbClr val="0000FF"/>
+                </a:solidFill>
+                <a:effectLst/>
+                <a:latin typeface="STZhongsong" panose="02010600040101010101" pitchFamily="2" charset="-122"/>
+                <a:ea typeface="STZhongsong" panose="02010600040101010101" pitchFamily="2" charset="-122"/>
+              </a:rPr>
+              <a:t>必要的知识储备</a:t>
+            </a:r>
+            <a:r>
+              <a:rPr lang="en-US" altLang="zh-CN" b="1" i="0" dirty="0">
+                <a:solidFill>
+                  <a:srgbClr val="0000FF"/>
+                </a:solidFill>
+                <a:effectLst/>
+                <a:latin typeface="STZhongsong" panose="02010600040101010101" pitchFamily="2" charset="-122"/>
+                <a:ea typeface="STZhongsong" panose="02010600040101010101" pitchFamily="2" charset="-122"/>
+              </a:rPr>
+              <a:t>+</a:t>
+            </a:r>
+            <a:r>
+              <a:rPr lang="zh-CN" altLang="en-US" b="1" i="0" dirty="0">
+                <a:solidFill>
+                  <a:srgbClr val="0000FF"/>
+                </a:solidFill>
+                <a:effectLst/>
+                <a:latin typeface="STZhongsong" panose="02010600040101010101" pitchFamily="2" charset="-122"/>
+                <a:ea typeface="STZhongsong" panose="02010600040101010101" pitchFamily="2" charset="-122"/>
+              </a:rPr>
+              <a:t>阅读能力（审题、读文）</a:t>
+            </a:r>
+            <a:r>
+              <a:rPr lang="en-US" altLang="zh-CN" b="1" i="0" dirty="0">
+                <a:solidFill>
+                  <a:srgbClr val="0000FF"/>
+                </a:solidFill>
+                <a:effectLst/>
+                <a:latin typeface="STZhongsong" panose="02010600040101010101" pitchFamily="2" charset="-122"/>
+                <a:ea typeface="STZhongsong" panose="02010600040101010101" pitchFamily="2" charset="-122"/>
+              </a:rPr>
+              <a:t>+</a:t>
+            </a:r>
+            <a:r>
+              <a:rPr lang="zh-CN" altLang="en-US" b="1" i="0" dirty="0">
+                <a:solidFill>
+                  <a:srgbClr val="0000FF"/>
+                </a:solidFill>
+                <a:effectLst/>
+                <a:latin typeface="STZhongsong" panose="02010600040101010101" pitchFamily="2" charset="-122"/>
+                <a:ea typeface="STZhongsong" panose="02010600040101010101" pitchFamily="2" charset="-122"/>
+              </a:rPr>
+              <a:t>表达能力（整合概括）</a:t>
+            </a:r>
+            <a:r>
+              <a:rPr lang="en-US" altLang="zh-CN" b="1" i="0" dirty="0">
+                <a:solidFill>
+                  <a:srgbClr val="0000FF"/>
+                </a:solidFill>
+                <a:effectLst/>
+                <a:latin typeface="STZhongsong" panose="02010600040101010101" pitchFamily="2" charset="-122"/>
+                <a:ea typeface="STZhongsong" panose="02010600040101010101" pitchFamily="2" charset="-122"/>
+              </a:rPr>
+              <a:t>+</a:t>
+            </a:r>
+            <a:r>
+              <a:rPr lang="zh-CN" altLang="en-US" b="1" i="0" dirty="0">
+                <a:solidFill>
+                  <a:srgbClr val="0000FF"/>
+                </a:solidFill>
+                <a:effectLst/>
+                <a:latin typeface="STZhongsong" panose="02010600040101010101" pitchFamily="2" charset="-122"/>
+                <a:ea typeface="STZhongsong" panose="02010600040101010101" pitchFamily="2" charset="-122"/>
+              </a:rPr>
+              <a:t>答题策略（思维路径）</a:t>
+            </a:r>
+            <a:endParaRPr lang="en-US" altLang="zh-CN" b="1" i="0" dirty="0">
+              <a:solidFill>
+                <a:srgbClr val="0000FF"/>
+              </a:solidFill>
+              <a:effectLst/>
+              <a:latin typeface="STZhongsong" panose="02010600040101010101" pitchFamily="2" charset="-122"/>
+              <a:ea typeface="STZhongsong" panose="02010600040101010101" pitchFamily="2" charset="-122"/>
             </a:endParaRPr>
-          </a:p>
-          <a:p>
-            <a:r>
-              <a:rPr lang="zh-CN" altLang="en-US" dirty="0"/>
-              <a:t>阅读题型：不要只着眼于答案，要思考：答案</a:t>
-            </a:r>
-            <a:r>
-              <a:rPr lang="zh-CN" altLang="en-US" dirty="0">
-                <a:highlight>
-                  <a:srgbClr val="FFFF00"/>
-                </a:highlight>
-              </a:rPr>
-              <a:t>为什么</a:t>
-            </a:r>
-            <a:r>
-              <a:rPr lang="zh-CN" altLang="en-US" dirty="0"/>
-              <a:t>是这样？为什么答案能想到</a:t>
-            </a:r>
-            <a:r>
-              <a:rPr lang="zh-CN" altLang="en-US" dirty="0">
-                <a:highlight>
-                  <a:srgbClr val="FFFF00"/>
-                </a:highlight>
-              </a:rPr>
-              <a:t>我想不到</a:t>
-            </a:r>
-            <a:r>
-              <a:rPr lang="zh-CN" altLang="en-US" dirty="0"/>
-              <a:t>？怎么样</a:t>
-            </a:r>
-            <a:r>
-              <a:rPr lang="zh-CN" altLang="en-US" dirty="0">
-                <a:highlight>
-                  <a:srgbClr val="FFFF00"/>
-                </a:highlight>
-              </a:rPr>
-              <a:t>思考</a:t>
-            </a:r>
-            <a:r>
-              <a:rPr lang="zh-CN" altLang="en-US" dirty="0"/>
-              <a:t>才能得出答案？</a:t>
-            </a:r>
           </a:p>
         </p:txBody>
       </p:sp>
     </p:spTree>
     <p:extLst>
       <p:ext uri="{BB962C8B-B14F-4D97-AF65-F5344CB8AC3E}">
-        <p14:creationId xmlns:p14="http://schemas.microsoft.com/office/powerpoint/2010/main" val="45341515"/>
+        <p14:creationId xmlns:p14="http://schemas.microsoft.com/office/powerpoint/2010/main" val="2692030695"/>
       </p:ext>
     </p:extLst>
   </p:cSld>
@@ -6733,72 +6908,115 @@
           <p:cNvPr id="2" name="标题 1">
             <a:extLst>
               <a:ext uri="{FF2B5EF4-FFF2-40B4-BE49-F238E27FC236}">
-                <a16:creationId xmlns:a16="http://schemas.microsoft.com/office/drawing/2014/main" id="{0225C56B-CB32-0D15-EE87-6A6B6344800F}"/>
-              </a:ext>
-            </a:extLst>
-          </p:cNvPr>
-          <p:cNvSpPr>
-            <a:spLocks noGrp="1"/>
-          </p:cNvSpPr>
-          <p:nvPr>
-            <p:ph type="ctrTitle"/>
-          </p:nvPr>
-        </p:nvSpPr>
-        <p:spPr/>
-        <p:txBody>
-          <a:bodyPr/>
-          <a:lstStyle/>
-          <a:p>
-            <a:r>
-              <a:rPr lang="en-US" altLang="zh-CN" dirty="0"/>
-              <a:t>PART1</a:t>
-            </a:r>
+                <a16:creationId xmlns:a16="http://schemas.microsoft.com/office/drawing/2014/main" id="{75F1BB6B-66FB-FCDE-BCAE-F7B23ABE39D5}"/>
+              </a:ext>
+            </a:extLst>
+          </p:cNvPr>
+          <p:cNvSpPr>
+            <a:spLocks noGrp="1"/>
+          </p:cNvSpPr>
+          <p:nvPr>
+            <p:ph type="title"/>
+          </p:nvPr>
+        </p:nvSpPr>
+        <p:spPr/>
+        <p:txBody>
+          <a:bodyPr/>
+          <a:lstStyle/>
+          <a:p>
             <a:r>
               <a:rPr lang="zh-CN" altLang="en-US" dirty="0"/>
-              <a:t>：基础部分</a:t>
-            </a:r>
-          </a:p>
-        </p:txBody>
-      </p:sp>
-      <p:sp>
-        <p:nvSpPr>
-          <p:cNvPr id="3" name="副标题 2">
-            <a:extLst>
-              <a:ext uri="{FF2B5EF4-FFF2-40B4-BE49-F238E27FC236}">
-                <a16:creationId xmlns:a16="http://schemas.microsoft.com/office/drawing/2014/main" id="{01654F0C-74DA-A315-E7A2-D7C6F6F9BB0D}"/>
-              </a:ext>
-            </a:extLst>
-          </p:cNvPr>
-          <p:cNvSpPr>
-            <a:spLocks noGrp="1"/>
-          </p:cNvSpPr>
-          <p:nvPr>
-            <p:ph type="subTitle" idx="1"/>
-          </p:nvPr>
-        </p:nvSpPr>
-        <p:spPr>
-          <a:xfrm>
-            <a:off x="1524000" y="3509963"/>
-            <a:ext cx="9144000" cy="1655762"/>
-          </a:xfrm>
-        </p:spPr>
-        <p:txBody>
-          <a:bodyPr/>
-          <a:lstStyle/>
-          <a:p>
-            <a:r>
-              <a:rPr lang="zh-CN" altLang="en-US" sz="4400" dirty="0"/>
-              <a:t>字音字词</a:t>
-            </a:r>
-            <a:endParaRPr lang="en-US" altLang="zh-CN" sz="4400" dirty="0"/>
-          </a:p>
-          <a:p>
+              <a:t>提醒：</a:t>
+            </a:r>
+          </a:p>
+        </p:txBody>
+      </p:sp>
+      <p:sp>
+        <p:nvSpPr>
+          <p:cNvPr id="3" name="内容占位符 2">
+            <a:extLst>
+              <a:ext uri="{FF2B5EF4-FFF2-40B4-BE49-F238E27FC236}">
+                <a16:creationId xmlns:a16="http://schemas.microsoft.com/office/drawing/2014/main" id="{41430C41-D778-B294-153E-8D738BA89161}"/>
+              </a:ext>
+            </a:extLst>
+          </p:cNvPr>
+          <p:cNvSpPr>
+            <a:spLocks noGrp="1"/>
+          </p:cNvSpPr>
+          <p:nvPr>
+            <p:ph idx="1"/>
+          </p:nvPr>
+        </p:nvSpPr>
+        <p:spPr/>
+        <p:txBody>
+          <a:bodyPr/>
+          <a:lstStyle/>
+          <a:p>
+            <a:r>
+              <a:rPr lang="zh-CN" altLang="en-US" dirty="0"/>
+              <a:t>课程难度会略大于初一难度</a:t>
+            </a:r>
             <a:endParaRPr lang="en-US" altLang="zh-CN" dirty="0"/>
           </a:p>
           <a:p>
             <a:r>
-              <a:rPr lang="zh-CN" altLang="en-US" i="1" dirty="0"/>
-              <a:t>学如逆旅，一苇以航</a:t>
+              <a:rPr lang="zh-CN" altLang="en-US" dirty="0"/>
+              <a:t>基础题型：没有捷径可言，主要就靠记和背，认真订正，做好</a:t>
+            </a:r>
+            <a:r>
+              <a:rPr lang="zh-CN" altLang="en-US" dirty="0">
+                <a:highlight>
+                  <a:srgbClr val="FFFF00"/>
+                </a:highlight>
+              </a:rPr>
+              <a:t>充足的积累</a:t>
+            </a:r>
+            <a:endParaRPr lang="en-US" altLang="zh-CN" dirty="0">
+              <a:highlight>
+                <a:srgbClr val="FFFF00"/>
+              </a:highlight>
+            </a:endParaRPr>
+          </a:p>
+          <a:p>
+            <a:r>
+              <a:rPr lang="zh-CN" altLang="en-US" dirty="0"/>
+              <a:t>阅读题型：不要只着眼于答案，要思考：答案</a:t>
+            </a:r>
+            <a:r>
+              <a:rPr lang="zh-CN" altLang="en-US" dirty="0">
+                <a:highlight>
+                  <a:srgbClr val="FFFF00"/>
+                </a:highlight>
+              </a:rPr>
+              <a:t>为什么</a:t>
+            </a:r>
+            <a:r>
+              <a:rPr lang="zh-CN" altLang="en-US" dirty="0"/>
+              <a:t>是这样？为什么答案能想到</a:t>
+            </a:r>
+            <a:r>
+              <a:rPr lang="zh-CN" altLang="en-US" dirty="0">
+                <a:highlight>
+                  <a:srgbClr val="FFFF00"/>
+                </a:highlight>
+              </a:rPr>
+              <a:t>我想不到</a:t>
+            </a:r>
+            <a:r>
+              <a:rPr lang="zh-CN" altLang="en-US" dirty="0"/>
+              <a:t>？怎么样</a:t>
+            </a:r>
+            <a:r>
+              <a:rPr lang="zh-CN" altLang="en-US" dirty="0">
+                <a:highlight>
+                  <a:srgbClr val="FFFF00"/>
+                </a:highlight>
+              </a:rPr>
+              <a:t>思考</a:t>
+            </a:r>
+            <a:r>
+              <a:rPr lang="zh-CN" altLang="en-US" dirty="0"/>
+              <a:t>才能得出答案？</a:t>
             </a:r>
           </a:p>
         </p:txBody>
@@ -6806,7 +7024,7 @@
     </p:spTree>
     <p:extLst>
       <p:ext uri="{BB962C8B-B14F-4D97-AF65-F5344CB8AC3E}">
-        <p14:creationId xmlns:p14="http://schemas.microsoft.com/office/powerpoint/2010/main" val="44316343"/>
+        <p14:creationId xmlns:p14="http://schemas.microsoft.com/office/powerpoint/2010/main" val="45341515"/>
       </p:ext>
     </p:extLst>
   </p:cSld>
@@ -6838,118 +7056,80 @@
           <p:cNvPr id="2" name="标题 1">
             <a:extLst>
               <a:ext uri="{FF2B5EF4-FFF2-40B4-BE49-F238E27FC236}">
-                <a16:creationId xmlns:a16="http://schemas.microsoft.com/office/drawing/2014/main" id="{6FA516AE-1096-2F34-F88D-50DE94BC885C}"/>
-              </a:ext>
-            </a:extLst>
-          </p:cNvPr>
-          <p:cNvSpPr>
-            <a:spLocks noGrp="1"/>
-          </p:cNvSpPr>
-          <p:nvPr>
-            <p:ph type="title"/>
-          </p:nvPr>
-        </p:nvSpPr>
-        <p:spPr/>
-        <p:txBody>
-          <a:bodyPr/>
-          <a:lstStyle/>
-          <a:p>
-            <a:endParaRPr lang="zh-CN" altLang="en-US" dirty="0"/>
-          </a:p>
-        </p:txBody>
-      </p:sp>
-      <p:sp>
-        <p:nvSpPr>
-          <p:cNvPr id="3" name="内容占位符 2">
-            <a:extLst>
-              <a:ext uri="{FF2B5EF4-FFF2-40B4-BE49-F238E27FC236}">
-                <a16:creationId xmlns:a16="http://schemas.microsoft.com/office/drawing/2014/main" id="{331547C1-CB75-EA82-85AE-683C7E9845CA}"/>
-              </a:ext>
-            </a:extLst>
-          </p:cNvPr>
-          <p:cNvSpPr>
-            <a:spLocks noGrp="1"/>
-          </p:cNvSpPr>
-          <p:nvPr>
-            <p:ph idx="1"/>
-          </p:nvPr>
-        </p:nvSpPr>
-        <p:spPr/>
-        <p:txBody>
-          <a:bodyPr/>
-          <a:lstStyle/>
-          <a:p>
-            <a:pPr marL="0" indent="0">
-              <a:buNone/>
-            </a:pPr>
-            <a:endParaRPr lang="zh-CN" altLang="en-US" dirty="0"/>
-          </a:p>
-        </p:txBody>
-      </p:sp>
-      <p:pic>
-        <p:nvPicPr>
-          <p:cNvPr id="5" name="图片 4">
-            <a:extLst>
-              <a:ext uri="{FF2B5EF4-FFF2-40B4-BE49-F238E27FC236}">
-                <a16:creationId xmlns:a16="http://schemas.microsoft.com/office/drawing/2014/main" id="{5282A77A-0E33-315A-86EA-2B26F9FEBA9E}"/>
-              </a:ext>
-            </a:extLst>
-          </p:cNvPr>
-          <p:cNvPicPr>
-            <a:picLocks noChangeAspect="1"/>
-          </p:cNvPicPr>
-          <p:nvPr/>
-        </p:nvPicPr>
-        <p:blipFill>
-          <a:blip r:embed="rId2"/>
-          <a:stretch>
-            <a:fillRect/>
-          </a:stretch>
-        </p:blipFill>
+                <a16:creationId xmlns:a16="http://schemas.microsoft.com/office/drawing/2014/main" id="{0225C56B-CB32-0D15-EE87-6A6B6344800F}"/>
+              </a:ext>
+            </a:extLst>
+          </p:cNvPr>
+          <p:cNvSpPr>
+            <a:spLocks noGrp="1"/>
+          </p:cNvSpPr>
+          <p:nvPr>
+            <p:ph type="ctrTitle"/>
+          </p:nvPr>
+        </p:nvSpPr>
+        <p:spPr/>
+        <p:txBody>
+          <a:bodyPr/>
+          <a:lstStyle/>
+          <a:p>
+            <a:r>
+              <a:rPr lang="en-US" altLang="zh-CN" dirty="0"/>
+              <a:t>PART1</a:t>
+            </a:r>
+            <a:r>
+              <a:rPr lang="zh-CN" altLang="en-US" dirty="0"/>
+              <a:t>：基础部分</a:t>
+            </a:r>
+          </a:p>
+        </p:txBody>
+      </p:sp>
+      <p:sp>
+        <p:nvSpPr>
+          <p:cNvPr id="3" name="副标题 2">
+            <a:extLst>
+              <a:ext uri="{FF2B5EF4-FFF2-40B4-BE49-F238E27FC236}">
+                <a16:creationId xmlns:a16="http://schemas.microsoft.com/office/drawing/2014/main" id="{01654F0C-74DA-A315-E7A2-D7C6F6F9BB0D}"/>
+              </a:ext>
+            </a:extLst>
+          </p:cNvPr>
+          <p:cNvSpPr>
+            <a:spLocks noGrp="1"/>
+          </p:cNvSpPr>
+          <p:nvPr>
+            <p:ph type="subTitle" idx="1"/>
+          </p:nvPr>
+        </p:nvSpPr>
         <p:spPr>
           <a:xfrm>
-            <a:off x="677173" y="365125"/>
-            <a:ext cx="7595559" cy="2436311"/>
+            <a:off x="1524000" y="3509963"/>
+            <a:ext cx="9144000" cy="1655762"/>
           </a:xfrm>
-          <a:prstGeom prst="rect">
-            <a:avLst/>
-          </a:prstGeom>
         </p:spPr>
-      </p:pic>
-      <p:pic>
-        <p:nvPicPr>
-          <p:cNvPr id="7" name="图片 6">
-            <a:extLst>
-              <a:ext uri="{FF2B5EF4-FFF2-40B4-BE49-F238E27FC236}">
-                <a16:creationId xmlns:a16="http://schemas.microsoft.com/office/drawing/2014/main" id="{40A10FEB-732F-5A1F-A577-BA9EF45D33DB}"/>
-              </a:ext>
-            </a:extLst>
-          </p:cNvPr>
-          <p:cNvPicPr>
-            <a:picLocks noChangeAspect="1"/>
-          </p:cNvPicPr>
-          <p:nvPr/>
-        </p:nvPicPr>
-        <p:blipFill>
-          <a:blip r:embed="rId3"/>
-          <a:stretch>
-            <a:fillRect/>
-          </a:stretch>
-        </p:blipFill>
-        <p:spPr>
-          <a:xfrm>
-            <a:off x="507789" y="2853531"/>
-            <a:ext cx="7934325" cy="2295525"/>
-          </a:xfrm>
-          <a:prstGeom prst="rect">
-            <a:avLst/>
-          </a:prstGeom>
-        </p:spPr>
-      </p:pic>
+        <p:txBody>
+          <a:bodyPr/>
+          <a:lstStyle/>
+          <a:p>
+            <a:r>
+              <a:rPr lang="zh-CN" altLang="en-US" sz="4400" dirty="0"/>
+              <a:t>字音字词</a:t>
+            </a:r>
+            <a:endParaRPr lang="en-US" altLang="zh-CN" sz="4400" dirty="0"/>
+          </a:p>
+          <a:p>
+            <a:endParaRPr lang="en-US" altLang="zh-CN" dirty="0"/>
+          </a:p>
+          <a:p>
+            <a:r>
+              <a:rPr lang="zh-CN" altLang="en-US" i="1" dirty="0"/>
+              <a:t>学如逆旅，一苇以航</a:t>
+            </a:r>
+          </a:p>
+        </p:txBody>
+      </p:sp>
     </p:spTree>
     <p:extLst>
       <p:ext uri="{BB962C8B-B14F-4D97-AF65-F5344CB8AC3E}">
-        <p14:creationId xmlns:p14="http://schemas.microsoft.com/office/powerpoint/2010/main" val="2576189866"/>
+        <p14:creationId xmlns:p14="http://schemas.microsoft.com/office/powerpoint/2010/main" val="44316343"/>
       </p:ext>
     </p:extLst>
   </p:cSld>
